--- a/document/webpack.pptx
+++ b/document/webpack.pptx
@@ -11,6 +11,7 @@
     <p:sldId id="259" r:id="rId5"/>
     <p:sldId id="260" r:id="rId6"/>
     <p:sldId id="261" r:id="rId7"/>
+    <p:sldId id="262" r:id="rId8"/>
   </p:sldIdLst>
   <p:sldSz cx="12192000" cy="6858000"/>
   <p:notesSz cx="6858000" cy="9144000"/>
@@ -264,7 +265,7 @@
           <a:p>
             <a:fld id="{02B78E00-213A-4E88-BF87-34488D6A2990}" type="datetimeFigureOut">
               <a:rPr lang="ko-KR" altLang="en-US" smtClean="0"/>
-              <a:t>2018-12-08</a:t>
+              <a:t>2018-12-16</a:t>
             </a:fld>
             <a:endParaRPr lang="ko-KR" altLang="en-US"/>
           </a:p>
@@ -462,7 +463,7 @@
           <a:p>
             <a:fld id="{02B78E00-213A-4E88-BF87-34488D6A2990}" type="datetimeFigureOut">
               <a:rPr lang="ko-KR" altLang="en-US" smtClean="0"/>
-              <a:t>2018-12-08</a:t>
+              <a:t>2018-12-16</a:t>
             </a:fld>
             <a:endParaRPr lang="ko-KR" altLang="en-US"/>
           </a:p>
@@ -670,7 +671,7 @@
           <a:p>
             <a:fld id="{02B78E00-213A-4E88-BF87-34488D6A2990}" type="datetimeFigureOut">
               <a:rPr lang="ko-KR" altLang="en-US" smtClean="0"/>
-              <a:t>2018-12-08</a:t>
+              <a:t>2018-12-16</a:t>
             </a:fld>
             <a:endParaRPr lang="ko-KR" altLang="en-US"/>
           </a:p>
@@ -886,7 +887,7 @@
           <a:p>
             <a:fld id="{02B78E00-213A-4E88-BF87-34488D6A2990}" type="datetimeFigureOut">
               <a:rPr lang="ko-KR" altLang="en-US" smtClean="0"/>
-              <a:t>2018-12-08</a:t>
+              <a:t>2018-12-16</a:t>
             </a:fld>
             <a:endParaRPr lang="ko-KR" altLang="en-US"/>
           </a:p>
@@ -1161,7 +1162,7 @@
           <a:p>
             <a:fld id="{02B78E00-213A-4E88-BF87-34488D6A2990}" type="datetimeFigureOut">
               <a:rPr lang="ko-KR" altLang="en-US" smtClean="0"/>
-              <a:t>2018-12-08</a:t>
+              <a:t>2018-12-16</a:t>
             </a:fld>
             <a:endParaRPr lang="ko-KR" altLang="en-US"/>
           </a:p>
@@ -1426,7 +1427,7 @@
           <a:p>
             <a:fld id="{02B78E00-213A-4E88-BF87-34488D6A2990}" type="datetimeFigureOut">
               <a:rPr lang="ko-KR" altLang="en-US" smtClean="0"/>
-              <a:t>2018-12-08</a:t>
+              <a:t>2018-12-16</a:t>
             </a:fld>
             <a:endParaRPr lang="ko-KR" altLang="en-US"/>
           </a:p>
@@ -1838,7 +1839,7 @@
           <a:p>
             <a:fld id="{02B78E00-213A-4E88-BF87-34488D6A2990}" type="datetimeFigureOut">
               <a:rPr lang="ko-KR" altLang="en-US" smtClean="0"/>
-              <a:t>2018-12-08</a:t>
+              <a:t>2018-12-16</a:t>
             </a:fld>
             <a:endParaRPr lang="ko-KR" altLang="en-US"/>
           </a:p>
@@ -1979,7 +1980,7 @@
           <a:p>
             <a:fld id="{02B78E00-213A-4E88-BF87-34488D6A2990}" type="datetimeFigureOut">
               <a:rPr lang="ko-KR" altLang="en-US" smtClean="0"/>
-              <a:t>2018-12-08</a:t>
+              <a:t>2018-12-16</a:t>
             </a:fld>
             <a:endParaRPr lang="ko-KR" altLang="en-US"/>
           </a:p>
@@ -2092,7 +2093,7 @@
           <a:p>
             <a:fld id="{02B78E00-213A-4E88-BF87-34488D6A2990}" type="datetimeFigureOut">
               <a:rPr lang="ko-KR" altLang="en-US" smtClean="0"/>
-              <a:t>2018-12-08</a:t>
+              <a:t>2018-12-16</a:t>
             </a:fld>
             <a:endParaRPr lang="ko-KR" altLang="en-US"/>
           </a:p>
@@ -2403,7 +2404,7 @@
           <a:p>
             <a:fld id="{02B78E00-213A-4E88-BF87-34488D6A2990}" type="datetimeFigureOut">
               <a:rPr lang="ko-KR" altLang="en-US" smtClean="0"/>
-              <a:t>2018-12-08</a:t>
+              <a:t>2018-12-16</a:t>
             </a:fld>
             <a:endParaRPr lang="ko-KR" altLang="en-US"/>
           </a:p>
@@ -2691,7 +2692,7 @@
           <a:p>
             <a:fld id="{02B78E00-213A-4E88-BF87-34488D6A2990}" type="datetimeFigureOut">
               <a:rPr lang="ko-KR" altLang="en-US" smtClean="0"/>
-              <a:t>2018-12-08</a:t>
+              <a:t>2018-12-16</a:t>
             </a:fld>
             <a:endParaRPr lang="ko-KR" altLang="en-US"/>
           </a:p>
@@ -2932,7 +2933,7 @@
           <a:p>
             <a:fld id="{02B78E00-213A-4E88-BF87-34488D6A2990}" type="datetimeFigureOut">
               <a:rPr lang="ko-KR" altLang="en-US" smtClean="0"/>
-              <a:t>2018-12-08</a:t>
+              <a:t>2018-12-16</a:t>
             </a:fld>
             <a:endParaRPr lang="ko-KR" altLang="en-US"/>
           </a:p>
@@ -4893,9 +4894,109 @@
               <a:rPr lang="ko-KR" altLang="en-US" dirty="0"/>
               <a:t>에 설치하겠다</a:t>
             </a:r>
-            <a:endParaRPr lang="en-US" altLang="ko-KR"/>
-          </a:p>
-          <a:p>
+            <a:endParaRPr lang="en-US" altLang="ko-KR" dirty="0"/>
+          </a:p>
+          <a:p>
+            <a:r>
+              <a:rPr lang="ko-KR" altLang="en-US" dirty="0" err="1"/>
+              <a:t>번들링</a:t>
+            </a:r>
+            <a:r>
+              <a:rPr lang="ko-KR" altLang="en-US" dirty="0"/>
+              <a:t> </a:t>
+            </a:r>
+            <a:r>
+              <a:rPr lang="en-US" altLang="ko-KR" dirty="0"/>
+              <a:t>: ../../</a:t>
+            </a:r>
+            <a:r>
+              <a:rPr lang="en-US" altLang="ko-KR" dirty="0" err="1"/>
+              <a:t>node_modules</a:t>
+            </a:r>
+            <a:r>
+              <a:rPr lang="en-US" altLang="ko-KR" dirty="0"/>
+              <a:t>/.bin/webpack ./app/index.js --output ./</a:t>
+            </a:r>
+            <a:r>
+              <a:rPr lang="en-US" altLang="ko-KR" dirty="0" err="1"/>
+              <a:t>dist</a:t>
+            </a:r>
+            <a:r>
+              <a:rPr lang="en-US" altLang="ko-KR" dirty="0"/>
+              <a:t>/bundle.js --mode development</a:t>
+            </a:r>
+          </a:p>
+          <a:p>
+            <a:r>
+              <a:rPr lang="en-US" altLang="ko-KR" dirty="0"/>
+              <a:t>Html</a:t>
+            </a:r>
+            <a:r>
+              <a:rPr lang="ko-KR" altLang="en-US" dirty="0"/>
+              <a:t> 에서는 </a:t>
+            </a:r>
+            <a:r>
+              <a:rPr lang="en-US" altLang="ko-KR" dirty="0"/>
+              <a:t>./</a:t>
+            </a:r>
+            <a:r>
+              <a:rPr lang="en-US" altLang="ko-KR" dirty="0" err="1"/>
+              <a:t>dist</a:t>
+            </a:r>
+            <a:r>
+              <a:rPr lang="en-US" altLang="ko-KR" dirty="0"/>
+              <a:t>/bundle.js</a:t>
+            </a:r>
+            <a:r>
+              <a:rPr lang="ko-KR" altLang="en-US" dirty="0"/>
+              <a:t>를 </a:t>
+            </a:r>
+            <a:r>
+              <a:rPr lang="en-US" altLang="ko-KR" dirty="0"/>
+              <a:t>script </a:t>
+            </a:r>
+            <a:r>
+              <a:rPr lang="ko-KR" altLang="en-US" dirty="0"/>
+              <a:t>태그로 추가해주어 사용해주면 됨</a:t>
+            </a:r>
+            <a:r>
+              <a:rPr lang="en-US" altLang="ko-KR" dirty="0"/>
+              <a:t>.</a:t>
+            </a:r>
+          </a:p>
+          <a:p>
+            <a:endParaRPr lang="en-US" altLang="ko-KR" dirty="0"/>
+          </a:p>
+          <a:p>
+            <a:r>
+              <a:rPr lang="en-US" altLang="ko-KR" sz="1800" b="1" dirty="0"/>
+              <a:t>Webpack config </a:t>
+            </a:r>
+            <a:r>
+              <a:rPr lang="ko-KR" altLang="en-US" sz="1800" b="1" dirty="0"/>
+              <a:t>파일을 생성하여 </a:t>
+            </a:r>
+            <a:r>
+              <a:rPr lang="ko-KR" altLang="en-US" sz="1800" b="1" dirty="0" err="1"/>
+              <a:t>번들링</a:t>
+            </a:r>
+            <a:r>
+              <a:rPr lang="ko-KR" altLang="en-US" sz="1800" b="1" dirty="0"/>
+              <a:t> 하기</a:t>
+            </a:r>
+            <a:endParaRPr lang="en-US" altLang="ko-KR" sz="1800" b="1" dirty="0"/>
+          </a:p>
+          <a:p>
+            <a:r>
+              <a:rPr lang="ko-KR" altLang="en-US" dirty="0" err="1"/>
+              <a:t>안녕하셍</a:t>
+            </a:r>
+            <a:endParaRPr lang="en-US" altLang="ko-KR" dirty="0"/>
+          </a:p>
+          <a:p>
+            <a:pPr marL="0" indent="0">
+              <a:buNone/>
+            </a:pPr>
             <a:endParaRPr lang="en-US" altLang="ko-KR" dirty="0"/>
           </a:p>
           <a:p>
@@ -4910,6 +5011,98 @@
     <p:extLst>
       <p:ext uri="{BB962C8B-B14F-4D97-AF65-F5344CB8AC3E}">
         <p14:creationId xmlns:p14="http://schemas.microsoft.com/office/powerpoint/2010/main" val="3502630482"/>
+      </p:ext>
+    </p:extLst>
+  </p:cSld>
+  <p:clrMapOvr>
+    <a:masterClrMapping/>
+  </p:clrMapOvr>
+</p:sld>
+</file>
+
+<file path=ppt/slides/slide7.xml><?xml version="1.0" encoding="utf-8"?>
+<p:sld xmlns:a="http://schemas.openxmlformats.org/drawingml/2006/main" xmlns:r="http://schemas.openxmlformats.org/officeDocument/2006/relationships" xmlns:p="http://schemas.openxmlformats.org/presentationml/2006/main">
+  <p:cSld>
+    <p:spTree>
+      <p:nvGrpSpPr>
+        <p:cNvPr id="1" name=""/>
+        <p:cNvGrpSpPr/>
+        <p:nvPr/>
+      </p:nvGrpSpPr>
+      <p:grpSpPr>
+        <a:xfrm>
+          <a:off x="0" y="0"/>
+          <a:ext cx="0" cy="0"/>
+          <a:chOff x="0" y="0"/>
+          <a:chExt cx="0" cy="0"/>
+        </a:xfrm>
+      </p:grpSpPr>
+      <p:sp>
+        <p:nvSpPr>
+          <p:cNvPr id="2" name="제목 1">
+            <a:extLst>
+              <a:ext uri="{FF2B5EF4-FFF2-40B4-BE49-F238E27FC236}">
+                <a16:creationId xmlns:a16="http://schemas.microsoft.com/office/drawing/2014/main" id="{2C2A504A-0AC4-4F29-AE65-57414B9454B3}"/>
+              </a:ext>
+            </a:extLst>
+          </p:cNvPr>
+          <p:cNvSpPr>
+            <a:spLocks noGrp="1"/>
+          </p:cNvSpPr>
+          <p:nvPr>
+            <p:ph type="title"/>
+          </p:nvPr>
+        </p:nvSpPr>
+        <p:spPr/>
+        <p:txBody>
+          <a:bodyPr/>
+          <a:lstStyle/>
+          <a:p>
+            <a:r>
+              <a:rPr lang="en-US" altLang="ko-KR" dirty="0"/>
+              <a:t>5) NPM (Node Package Manager)</a:t>
+            </a:r>
+            <a:r>
+              <a:rPr lang="ko-KR" altLang="en-US" dirty="0"/>
+              <a:t>이란</a:t>
+            </a:r>
+            <a:r>
+              <a:rPr lang="en-US" altLang="ko-KR"/>
+              <a:t>?</a:t>
+            </a:r>
+            <a:endParaRPr lang="ko-KR" altLang="en-US" dirty="0"/>
+          </a:p>
+        </p:txBody>
+      </p:sp>
+      <p:sp>
+        <p:nvSpPr>
+          <p:cNvPr id="3" name="내용 개체 틀 2">
+            <a:extLst>
+              <a:ext uri="{FF2B5EF4-FFF2-40B4-BE49-F238E27FC236}">
+                <a16:creationId xmlns:a16="http://schemas.microsoft.com/office/drawing/2014/main" id="{804871AA-9AE5-4DE9-9AF0-CADA675D354E}"/>
+              </a:ext>
+            </a:extLst>
+          </p:cNvPr>
+          <p:cNvSpPr>
+            <a:spLocks noGrp="1"/>
+          </p:cNvSpPr>
+          <p:nvPr>
+            <p:ph idx="1"/>
+          </p:nvPr>
+        </p:nvSpPr>
+        <p:spPr/>
+        <p:txBody>
+          <a:bodyPr/>
+          <a:lstStyle/>
+          <a:p>
+            <a:endParaRPr lang="ko-KR" altLang="en-US"/>
+          </a:p>
+        </p:txBody>
+      </p:sp>
+    </p:spTree>
+    <p:extLst>
+      <p:ext uri="{BB962C8B-B14F-4D97-AF65-F5344CB8AC3E}">
+        <p14:creationId xmlns:p14="http://schemas.microsoft.com/office/powerpoint/2010/main" val="3760725530"/>
       </p:ext>
     </p:extLst>
   </p:cSld>

--- a/document/webpack.pptx
+++ b/document/webpack.pptx
@@ -12,6 +12,12 @@
     <p:sldId id="260" r:id="rId6"/>
     <p:sldId id="261" r:id="rId7"/>
     <p:sldId id="262" r:id="rId8"/>
+    <p:sldId id="263" r:id="rId9"/>
+    <p:sldId id="264" r:id="rId10"/>
+    <p:sldId id="265" r:id="rId11"/>
+    <p:sldId id="266" r:id="rId12"/>
+    <p:sldId id="267" r:id="rId13"/>
+    <p:sldId id="268" r:id="rId14"/>
   </p:sldIdLst>
   <p:sldSz cx="12192000" cy="6858000"/>
   <p:notesSz cx="6858000" cy="9144000"/>
@@ -265,7 +271,7 @@
           <a:p>
             <a:fld id="{02B78E00-213A-4E88-BF87-34488D6A2990}" type="datetimeFigureOut">
               <a:rPr lang="ko-KR" altLang="en-US" smtClean="0"/>
-              <a:t>2018-12-16</a:t>
+              <a:t>2018-12-18</a:t>
             </a:fld>
             <a:endParaRPr lang="ko-KR" altLang="en-US"/>
           </a:p>
@@ -463,7 +469,7 @@
           <a:p>
             <a:fld id="{02B78E00-213A-4E88-BF87-34488D6A2990}" type="datetimeFigureOut">
               <a:rPr lang="ko-KR" altLang="en-US" smtClean="0"/>
-              <a:t>2018-12-16</a:t>
+              <a:t>2018-12-18</a:t>
             </a:fld>
             <a:endParaRPr lang="ko-KR" altLang="en-US"/>
           </a:p>
@@ -671,7 +677,7 @@
           <a:p>
             <a:fld id="{02B78E00-213A-4E88-BF87-34488D6A2990}" type="datetimeFigureOut">
               <a:rPr lang="ko-KR" altLang="en-US" smtClean="0"/>
-              <a:t>2018-12-16</a:t>
+              <a:t>2018-12-18</a:t>
             </a:fld>
             <a:endParaRPr lang="ko-KR" altLang="en-US"/>
           </a:p>
@@ -811,54 +817,64 @@
             <a:normAutofit/>
           </a:bodyPr>
           <a:lstStyle>
-            <a:lvl1pPr>
+            <a:lvl1pPr marL="342900" indent="-342900">
+              <a:buFont typeface="+mj-lt"/>
+              <a:buAutoNum type="arabicPeriod"/>
               <a:defRPr sz="1600"/>
             </a:lvl1pPr>
-            <a:lvl2pPr>
+            <a:lvl2pPr marL="800100" indent="-342900">
+              <a:buFont typeface="Arial" panose="020B0604020202020204" pitchFamily="34" charset="0"/>
+              <a:buChar char="•"/>
               <a:defRPr sz="1600"/>
             </a:lvl2pPr>
-            <a:lvl3pPr>
+            <a:lvl3pPr marL="1257300" indent="-342900">
+              <a:buFont typeface="Wingdings" panose="05000000000000000000" pitchFamily="2" charset="2"/>
+              <a:buChar char="§"/>
               <a:defRPr sz="1600"/>
             </a:lvl3pPr>
-            <a:lvl4pPr>
+            <a:lvl4pPr marL="1714500" indent="-342900">
+              <a:buFont typeface="Wingdings" panose="05000000000000000000" pitchFamily="2" charset="2"/>
+              <a:buChar char="ü"/>
               <a:defRPr sz="1600"/>
             </a:lvl4pPr>
-            <a:lvl5pPr>
+            <a:lvl5pPr marL="2171700" indent="-342900">
+              <a:buFont typeface="Wingdings" panose="05000000000000000000" pitchFamily="2" charset="2"/>
+              <a:buChar char="Ø"/>
               <a:defRPr sz="1600"/>
             </a:lvl5pPr>
           </a:lstStyle>
           <a:p>
             <a:pPr lvl="0"/>
             <a:r>
-              <a:rPr lang="ko-KR" altLang="en-US"/>
+              <a:rPr lang="ko-KR" altLang="en-US" dirty="0"/>
               <a:t>마스터 텍스트 스타일 편집</a:t>
             </a:r>
           </a:p>
           <a:p>
             <a:pPr lvl="1"/>
             <a:r>
-              <a:rPr lang="ko-KR" altLang="en-US"/>
+              <a:rPr lang="ko-KR" altLang="en-US" dirty="0"/>
               <a:t>둘째 수준</a:t>
             </a:r>
           </a:p>
           <a:p>
             <a:pPr lvl="2"/>
             <a:r>
-              <a:rPr lang="ko-KR" altLang="en-US"/>
+              <a:rPr lang="ko-KR" altLang="en-US" dirty="0"/>
               <a:t>셋째 수준</a:t>
             </a:r>
           </a:p>
           <a:p>
             <a:pPr lvl="3"/>
             <a:r>
-              <a:rPr lang="ko-KR" altLang="en-US"/>
+              <a:rPr lang="ko-KR" altLang="en-US" dirty="0"/>
               <a:t>넷째 수준</a:t>
             </a:r>
           </a:p>
           <a:p>
             <a:pPr lvl="4"/>
             <a:r>
-              <a:rPr lang="ko-KR" altLang="en-US"/>
+              <a:rPr lang="ko-KR" altLang="en-US" dirty="0"/>
               <a:t>다섯째 수준</a:t>
             </a:r>
           </a:p>
@@ -887,7 +903,7 @@
           <a:p>
             <a:fld id="{02B78E00-213A-4E88-BF87-34488D6A2990}" type="datetimeFigureOut">
               <a:rPr lang="ko-KR" altLang="en-US" smtClean="0"/>
-              <a:t>2018-12-16</a:t>
+              <a:t>2018-12-18</a:t>
             </a:fld>
             <a:endParaRPr lang="ko-KR" altLang="en-US"/>
           </a:p>
@@ -1162,7 +1178,7 @@
           <a:p>
             <a:fld id="{02B78E00-213A-4E88-BF87-34488D6A2990}" type="datetimeFigureOut">
               <a:rPr lang="ko-KR" altLang="en-US" smtClean="0"/>
-              <a:t>2018-12-16</a:t>
+              <a:t>2018-12-18</a:t>
             </a:fld>
             <a:endParaRPr lang="ko-KR" altLang="en-US"/>
           </a:p>
@@ -1427,7 +1443,7 @@
           <a:p>
             <a:fld id="{02B78E00-213A-4E88-BF87-34488D6A2990}" type="datetimeFigureOut">
               <a:rPr lang="ko-KR" altLang="en-US" smtClean="0"/>
-              <a:t>2018-12-16</a:t>
+              <a:t>2018-12-18</a:t>
             </a:fld>
             <a:endParaRPr lang="ko-KR" altLang="en-US"/>
           </a:p>
@@ -1839,7 +1855,7 @@
           <a:p>
             <a:fld id="{02B78E00-213A-4E88-BF87-34488D6A2990}" type="datetimeFigureOut">
               <a:rPr lang="ko-KR" altLang="en-US" smtClean="0"/>
-              <a:t>2018-12-16</a:t>
+              <a:t>2018-12-18</a:t>
             </a:fld>
             <a:endParaRPr lang="ko-KR" altLang="en-US"/>
           </a:p>
@@ -1980,7 +1996,7 @@
           <a:p>
             <a:fld id="{02B78E00-213A-4E88-BF87-34488D6A2990}" type="datetimeFigureOut">
               <a:rPr lang="ko-KR" altLang="en-US" smtClean="0"/>
-              <a:t>2018-12-16</a:t>
+              <a:t>2018-12-18</a:t>
             </a:fld>
             <a:endParaRPr lang="ko-KR" altLang="en-US"/>
           </a:p>
@@ -2093,7 +2109,7 @@
           <a:p>
             <a:fld id="{02B78E00-213A-4E88-BF87-34488D6A2990}" type="datetimeFigureOut">
               <a:rPr lang="ko-KR" altLang="en-US" smtClean="0"/>
-              <a:t>2018-12-16</a:t>
+              <a:t>2018-12-18</a:t>
             </a:fld>
             <a:endParaRPr lang="ko-KR" altLang="en-US"/>
           </a:p>
@@ -2404,7 +2420,7 @@
           <a:p>
             <a:fld id="{02B78E00-213A-4E88-BF87-34488D6A2990}" type="datetimeFigureOut">
               <a:rPr lang="ko-KR" altLang="en-US" smtClean="0"/>
-              <a:t>2018-12-16</a:t>
+              <a:t>2018-12-18</a:t>
             </a:fld>
             <a:endParaRPr lang="ko-KR" altLang="en-US"/>
           </a:p>
@@ -2692,7 +2708,7 @@
           <a:p>
             <a:fld id="{02B78E00-213A-4E88-BF87-34488D6A2990}" type="datetimeFigureOut">
               <a:rPr lang="ko-KR" altLang="en-US" smtClean="0"/>
-              <a:t>2018-12-16</a:t>
+              <a:t>2018-12-18</a:t>
             </a:fld>
             <a:endParaRPr lang="ko-KR" altLang="en-US"/>
           </a:p>
@@ -2933,7 +2949,7 @@
           <a:p>
             <a:fld id="{02B78E00-213A-4E88-BF87-34488D6A2990}" type="datetimeFigureOut">
               <a:rPr lang="ko-KR" altLang="en-US" smtClean="0"/>
-              <a:t>2018-12-16</a:t>
+              <a:t>2018-12-18</a:t>
             </a:fld>
             <a:endParaRPr lang="ko-KR" altLang="en-US"/>
           </a:p>
@@ -3410,7 +3426,7 @@
             </a:r>
             <a:r>
               <a:rPr lang="en-US" altLang="ko-KR" dirty="0"/>
-              <a:t>: </a:t>
+              <a:t>: ‘</a:t>
             </a:r>
             <a:r>
               <a:rPr lang="ko-KR" altLang="en-US" dirty="0"/>
@@ -3418,7 +3434,7 @@
             </a:r>
             <a:r>
               <a:rPr lang="en-US" altLang="ko-KR" dirty="0"/>
-              <a:t>Webpack </a:t>
+              <a:t>Webpack’ </a:t>
             </a:r>
             <a:r>
               <a:rPr lang="ko-KR" altLang="en-US" dirty="0"/>
@@ -3439,6 +3455,720 @@
     <p:extLst>
       <p:ext uri="{BB962C8B-B14F-4D97-AF65-F5344CB8AC3E}">
         <p14:creationId xmlns:p14="http://schemas.microsoft.com/office/powerpoint/2010/main" val="4225626663"/>
+      </p:ext>
+    </p:extLst>
+  </p:cSld>
+  <p:clrMapOvr>
+    <a:masterClrMapping/>
+  </p:clrMapOvr>
+</p:sld>
+</file>
+
+<file path=ppt/slides/slide10.xml><?xml version="1.0" encoding="utf-8"?>
+<p:sld xmlns:a="http://schemas.openxmlformats.org/drawingml/2006/main" xmlns:r="http://schemas.openxmlformats.org/officeDocument/2006/relationships" xmlns:p="http://schemas.openxmlformats.org/presentationml/2006/main">
+  <p:cSld>
+    <p:spTree>
+      <p:nvGrpSpPr>
+        <p:cNvPr id="1" name=""/>
+        <p:cNvGrpSpPr/>
+        <p:nvPr/>
+      </p:nvGrpSpPr>
+      <p:grpSpPr>
+        <a:xfrm>
+          <a:off x="0" y="0"/>
+          <a:ext cx="0" cy="0"/>
+          <a:chOff x="0" y="0"/>
+          <a:chExt cx="0" cy="0"/>
+        </a:xfrm>
+      </p:grpSpPr>
+      <p:sp>
+        <p:nvSpPr>
+          <p:cNvPr id="2" name="제목 1">
+            <a:extLst>
+              <a:ext uri="{FF2B5EF4-FFF2-40B4-BE49-F238E27FC236}">
+                <a16:creationId xmlns:a16="http://schemas.microsoft.com/office/drawing/2014/main" id="{1EA8C13F-A1EE-4DC3-8EA0-20068234BB9B}"/>
+              </a:ext>
+            </a:extLst>
+          </p:cNvPr>
+          <p:cNvSpPr>
+            <a:spLocks noGrp="1"/>
+          </p:cNvSpPr>
+          <p:nvPr>
+            <p:ph type="title"/>
+          </p:nvPr>
+        </p:nvSpPr>
+        <p:spPr/>
+        <p:txBody>
+          <a:bodyPr/>
+          <a:lstStyle/>
+          <a:p>
+            <a:r>
+              <a:rPr lang="en-US" altLang="ko-KR" dirty="0"/>
+              <a:t>6-2) Webpack Entry </a:t>
+            </a:r>
+            <a:r>
+              <a:rPr lang="ko-KR" altLang="en-US" dirty="0"/>
+              <a:t>복수 엔트리 포인트</a:t>
+            </a:r>
+          </a:p>
+        </p:txBody>
+      </p:sp>
+      <p:sp>
+        <p:nvSpPr>
+          <p:cNvPr id="3" name="내용 개체 틀 2">
+            <a:extLst>
+              <a:ext uri="{FF2B5EF4-FFF2-40B4-BE49-F238E27FC236}">
+                <a16:creationId xmlns:a16="http://schemas.microsoft.com/office/drawing/2014/main" id="{A3B486E7-2D47-48CF-BC53-913E4BA8B2C3}"/>
+              </a:ext>
+            </a:extLst>
+          </p:cNvPr>
+          <p:cNvSpPr>
+            <a:spLocks noGrp="1"/>
+          </p:cNvSpPr>
+          <p:nvPr>
+            <p:ph idx="1"/>
+          </p:nvPr>
+        </p:nvSpPr>
+        <p:spPr/>
+        <p:txBody>
+          <a:bodyPr/>
+          <a:lstStyle/>
+          <a:p>
+            <a:r>
+              <a:rPr lang="ko-KR" altLang="en-US" dirty="0" err="1"/>
+              <a:t>복수개</a:t>
+            </a:r>
+            <a:r>
+              <a:rPr lang="ko-KR" altLang="en-US" dirty="0"/>
+              <a:t> 엔트리 포인트에 대한 설정 예시</a:t>
+            </a:r>
+            <a:endParaRPr lang="en-US" altLang="ko-KR" dirty="0"/>
+          </a:p>
+        </p:txBody>
+      </p:sp>
+      <p:pic>
+        <p:nvPicPr>
+          <p:cNvPr id="5" name="그림 4">
+            <a:extLst>
+              <a:ext uri="{FF2B5EF4-FFF2-40B4-BE49-F238E27FC236}">
+                <a16:creationId xmlns:a16="http://schemas.microsoft.com/office/drawing/2014/main" id="{7DF33AD7-A230-4EEB-9CEC-F3E604A44147}"/>
+              </a:ext>
+            </a:extLst>
+          </p:cNvPr>
+          <p:cNvPicPr>
+            <a:picLocks noChangeAspect="1"/>
+          </p:cNvPicPr>
+          <p:nvPr/>
+        </p:nvPicPr>
+        <p:blipFill>
+          <a:blip r:embed="rId2">
+            <a:clrChange>
+              <a:clrFrom>
+                <a:srgbClr val="F7F5F7"/>
+              </a:clrFrom>
+              <a:clrTo>
+                <a:srgbClr val="F7F5F7">
+                  <a:alpha val="0"/>
+                </a:srgbClr>
+              </a:clrTo>
+            </a:clrChange>
+            <a:extLst>
+              <a:ext uri="{28A0092B-C50C-407E-A947-70E740481C1C}">
+                <a14:useLocalDpi xmlns:a14="http://schemas.microsoft.com/office/drawing/2010/main" val="0"/>
+              </a:ext>
+            </a:extLst>
+          </a:blip>
+          <a:stretch>
+            <a:fillRect/>
+          </a:stretch>
+        </p:blipFill>
+        <p:spPr>
+          <a:xfrm>
+            <a:off x="148243" y="1386163"/>
+            <a:ext cx="8472881" cy="2736657"/>
+          </a:xfrm>
+          <a:prstGeom prst="rect">
+            <a:avLst/>
+          </a:prstGeom>
+        </p:spPr>
+      </p:pic>
+    </p:spTree>
+    <p:extLst>
+      <p:ext uri="{BB962C8B-B14F-4D97-AF65-F5344CB8AC3E}">
+        <p14:creationId xmlns:p14="http://schemas.microsoft.com/office/powerpoint/2010/main" val="1131550603"/>
+      </p:ext>
+    </p:extLst>
+  </p:cSld>
+  <p:clrMapOvr>
+    <a:masterClrMapping/>
+  </p:clrMapOvr>
+</p:sld>
+</file>
+
+<file path=ppt/slides/slide11.xml><?xml version="1.0" encoding="utf-8"?>
+<p:sld xmlns:a="http://schemas.openxmlformats.org/drawingml/2006/main" xmlns:r="http://schemas.openxmlformats.org/officeDocument/2006/relationships" xmlns:p="http://schemas.openxmlformats.org/presentationml/2006/main">
+  <p:cSld>
+    <p:spTree>
+      <p:nvGrpSpPr>
+        <p:cNvPr id="1" name=""/>
+        <p:cNvGrpSpPr/>
+        <p:nvPr/>
+      </p:nvGrpSpPr>
+      <p:grpSpPr>
+        <a:xfrm>
+          <a:off x="0" y="0"/>
+          <a:ext cx="0" cy="0"/>
+          <a:chOff x="0" y="0"/>
+          <a:chExt cx="0" cy="0"/>
+        </a:xfrm>
+      </p:grpSpPr>
+      <p:sp>
+        <p:nvSpPr>
+          <p:cNvPr id="2" name="제목 1">
+            <a:extLst>
+              <a:ext uri="{FF2B5EF4-FFF2-40B4-BE49-F238E27FC236}">
+                <a16:creationId xmlns:a16="http://schemas.microsoft.com/office/drawing/2014/main" id="{407108E8-0C1F-4ECD-A832-7782FA01501E}"/>
+              </a:ext>
+            </a:extLst>
+          </p:cNvPr>
+          <p:cNvSpPr>
+            <a:spLocks noGrp="1"/>
+          </p:cNvSpPr>
+          <p:nvPr>
+            <p:ph type="title"/>
+          </p:nvPr>
+        </p:nvSpPr>
+        <p:spPr/>
+        <p:txBody>
+          <a:bodyPr/>
+          <a:lstStyle/>
+          <a:p>
+            <a:r>
+              <a:rPr lang="en-US" altLang="ko-KR" dirty="0"/>
+              <a:t>7-1) webpack output</a:t>
+            </a:r>
+            <a:r>
+              <a:rPr lang="ko-KR" altLang="en-US" dirty="0"/>
+              <a:t>이란</a:t>
+            </a:r>
+          </a:p>
+        </p:txBody>
+      </p:sp>
+      <p:sp>
+        <p:nvSpPr>
+          <p:cNvPr id="3" name="내용 개체 틀 2">
+            <a:extLst>
+              <a:ext uri="{FF2B5EF4-FFF2-40B4-BE49-F238E27FC236}">
+                <a16:creationId xmlns:a16="http://schemas.microsoft.com/office/drawing/2014/main" id="{0B306AE1-483E-428F-817B-B42A0B7FC1EB}"/>
+              </a:ext>
+            </a:extLst>
+          </p:cNvPr>
+          <p:cNvSpPr>
+            <a:spLocks noGrp="1"/>
+          </p:cNvSpPr>
+          <p:nvPr>
+            <p:ph idx="1"/>
+          </p:nvPr>
+        </p:nvSpPr>
+        <p:spPr/>
+        <p:txBody>
+          <a:bodyPr/>
+          <a:lstStyle/>
+          <a:p>
+            <a:r>
+              <a:rPr lang="en-US" altLang="ko-KR" dirty="0"/>
+              <a:t>entry </a:t>
+            </a:r>
+            <a:r>
+              <a:rPr lang="ko-KR" altLang="en-US" dirty="0"/>
+              <a:t>에서 설정하고 묶은 파일의 결과값을 설정</a:t>
+            </a:r>
+            <a:endParaRPr lang="en-US" altLang="ko-KR" dirty="0"/>
+          </a:p>
+        </p:txBody>
+      </p:sp>
+      <p:pic>
+        <p:nvPicPr>
+          <p:cNvPr id="5" name="그림 4">
+            <a:extLst>
+              <a:ext uri="{FF2B5EF4-FFF2-40B4-BE49-F238E27FC236}">
+                <a16:creationId xmlns:a16="http://schemas.microsoft.com/office/drawing/2014/main" id="{BB98920A-7C53-409A-98AF-4AB4A718FC82}"/>
+              </a:ext>
+            </a:extLst>
+          </p:cNvPr>
+          <p:cNvPicPr>
+            <a:picLocks noChangeAspect="1"/>
+          </p:cNvPicPr>
+          <p:nvPr/>
+        </p:nvPicPr>
+        <p:blipFill>
+          <a:blip r:embed="rId2">
+            <a:clrChange>
+              <a:clrFrom>
+                <a:srgbClr val="F7F5F7"/>
+              </a:clrFrom>
+              <a:clrTo>
+                <a:srgbClr val="F7F5F7">
+                  <a:alpha val="0"/>
+                </a:srgbClr>
+              </a:clrTo>
+            </a:clrChange>
+            <a:extLst>
+              <a:ext uri="{28A0092B-C50C-407E-A947-70E740481C1C}">
+                <a14:useLocalDpi xmlns:a14="http://schemas.microsoft.com/office/drawing/2010/main" val="0"/>
+              </a:ext>
+            </a:extLst>
+          </a:blip>
+          <a:stretch>
+            <a:fillRect/>
+          </a:stretch>
+        </p:blipFill>
+        <p:spPr>
+          <a:xfrm>
+            <a:off x="148243" y="1398941"/>
+            <a:ext cx="6275638" cy="3056968"/>
+          </a:xfrm>
+          <a:prstGeom prst="rect">
+            <a:avLst/>
+          </a:prstGeom>
+        </p:spPr>
+      </p:pic>
+    </p:spTree>
+    <p:extLst>
+      <p:ext uri="{BB962C8B-B14F-4D97-AF65-F5344CB8AC3E}">
+        <p14:creationId xmlns:p14="http://schemas.microsoft.com/office/powerpoint/2010/main" val="3780660417"/>
+      </p:ext>
+    </p:extLst>
+  </p:cSld>
+  <p:clrMapOvr>
+    <a:masterClrMapping/>
+  </p:clrMapOvr>
+</p:sld>
+</file>
+
+<file path=ppt/slides/slide12.xml><?xml version="1.0" encoding="utf-8"?>
+<p:sld xmlns:a="http://schemas.openxmlformats.org/drawingml/2006/main" xmlns:r="http://schemas.openxmlformats.org/officeDocument/2006/relationships" xmlns:p="http://schemas.openxmlformats.org/presentationml/2006/main">
+  <p:cSld>
+    <p:spTree>
+      <p:nvGrpSpPr>
+        <p:cNvPr id="1" name=""/>
+        <p:cNvGrpSpPr/>
+        <p:nvPr/>
+      </p:nvGrpSpPr>
+      <p:grpSpPr>
+        <a:xfrm>
+          <a:off x="0" y="0"/>
+          <a:ext cx="0" cy="0"/>
+          <a:chOff x="0" y="0"/>
+          <a:chExt cx="0" cy="0"/>
+        </a:xfrm>
+      </p:grpSpPr>
+      <p:sp>
+        <p:nvSpPr>
+          <p:cNvPr id="2" name="제목 1">
+            <a:extLst>
+              <a:ext uri="{FF2B5EF4-FFF2-40B4-BE49-F238E27FC236}">
+                <a16:creationId xmlns:a16="http://schemas.microsoft.com/office/drawing/2014/main" id="{3085E246-53D8-40DA-B9A0-4E61678499CB}"/>
+              </a:ext>
+            </a:extLst>
+          </p:cNvPr>
+          <p:cNvSpPr>
+            <a:spLocks noGrp="1"/>
+          </p:cNvSpPr>
+          <p:nvPr>
+            <p:ph type="title"/>
+          </p:nvPr>
+        </p:nvSpPr>
+        <p:spPr>
+          <a:xfrm>
+            <a:off x="148243" y="136525"/>
+            <a:ext cx="11888585" cy="752937"/>
+          </a:xfrm>
+        </p:spPr>
+        <p:txBody>
+          <a:bodyPr/>
+          <a:lstStyle/>
+          <a:p>
+            <a:r>
+              <a:rPr lang="en-US" altLang="ko-KR" dirty="0"/>
+              <a:t>7-2) webpack output</a:t>
+            </a:r>
+            <a:r>
+              <a:rPr lang="ko-KR" altLang="en-US" dirty="0"/>
+              <a:t> </a:t>
+            </a:r>
+            <a:r>
+              <a:rPr lang="en-US" altLang="ko-KR" dirty="0"/>
+              <a:t>Filename </a:t>
+            </a:r>
+            <a:r>
+              <a:rPr lang="ko-KR" altLang="en-US" dirty="0"/>
+              <a:t>옵션</a:t>
+            </a:r>
+          </a:p>
+        </p:txBody>
+      </p:sp>
+      <p:sp>
+        <p:nvSpPr>
+          <p:cNvPr id="3" name="내용 개체 틀 2">
+            <a:extLst>
+              <a:ext uri="{FF2B5EF4-FFF2-40B4-BE49-F238E27FC236}">
+                <a16:creationId xmlns:a16="http://schemas.microsoft.com/office/drawing/2014/main" id="{214B3048-CD93-42E9-9635-49FEB2037826}"/>
+              </a:ext>
+            </a:extLst>
+          </p:cNvPr>
+          <p:cNvSpPr>
+            <a:spLocks noGrp="1"/>
+          </p:cNvSpPr>
+          <p:nvPr>
+            <p:ph idx="1"/>
+          </p:nvPr>
+        </p:nvSpPr>
+        <p:spPr>
+          <a:xfrm>
+            <a:off x="148243" y="2708991"/>
+            <a:ext cx="11888584" cy="1259002"/>
+          </a:xfrm>
+        </p:spPr>
+        <p:txBody>
+          <a:bodyPr/>
+          <a:lstStyle/>
+          <a:p>
+            <a:r>
+              <a:rPr lang="en-US" altLang="ko-KR" dirty="0"/>
+              <a:t>[name] : </a:t>
+            </a:r>
+            <a:r>
+              <a:rPr lang="ko-KR" altLang="en-US" dirty="0"/>
+              <a:t>엔트리 명에 따른 </a:t>
+            </a:r>
+            <a:r>
+              <a:rPr lang="en-US" altLang="ko-KR" dirty="0"/>
+              <a:t>output </a:t>
+            </a:r>
+            <a:r>
+              <a:rPr lang="ko-KR" altLang="en-US" dirty="0"/>
+              <a:t>파일명 생성</a:t>
+            </a:r>
+            <a:endParaRPr lang="en-US" altLang="ko-KR" dirty="0"/>
+          </a:p>
+          <a:p>
+            <a:r>
+              <a:rPr lang="en-US" altLang="ko-KR" dirty="0"/>
+              <a:t>[hash] : </a:t>
+            </a:r>
+            <a:r>
+              <a:rPr lang="ko-KR" altLang="en-US" dirty="0"/>
+              <a:t>특정 </a:t>
+            </a:r>
+            <a:r>
+              <a:rPr lang="en-US" altLang="ko-KR" dirty="0"/>
+              <a:t>webpack build</a:t>
+            </a:r>
+            <a:r>
+              <a:rPr lang="ko-KR" altLang="en-US" dirty="0"/>
+              <a:t>에 따른 </a:t>
+            </a:r>
+            <a:r>
+              <a:rPr lang="en-US" altLang="ko-KR" dirty="0"/>
+              <a:t>output </a:t>
+            </a:r>
+            <a:r>
+              <a:rPr lang="ko-KR" altLang="en-US" dirty="0"/>
+              <a:t>파일명 생성</a:t>
+            </a:r>
+            <a:endParaRPr lang="en-US" altLang="ko-KR" dirty="0"/>
+          </a:p>
+          <a:p>
+            <a:r>
+              <a:rPr lang="en-US" altLang="ko-KR" dirty="0"/>
+              <a:t>[</a:t>
+            </a:r>
+            <a:r>
+              <a:rPr lang="en-US" altLang="ko-KR" dirty="0" err="1"/>
+              <a:t>chunkhash</a:t>
+            </a:r>
+            <a:r>
+              <a:rPr lang="en-US" altLang="ko-KR" dirty="0"/>
+              <a:t>] : </a:t>
+            </a:r>
+            <a:r>
+              <a:rPr lang="ko-KR" altLang="en-US" dirty="0"/>
+              <a:t>특정 </a:t>
+            </a:r>
+            <a:r>
+              <a:rPr lang="en-US" altLang="ko-KR" dirty="0"/>
+              <a:t>webpack chunk</a:t>
+            </a:r>
+            <a:r>
+              <a:rPr lang="ko-KR" altLang="en-US" dirty="0"/>
+              <a:t>에 따른 </a:t>
+            </a:r>
+            <a:r>
+              <a:rPr lang="en-US" altLang="ko-KR" dirty="0"/>
+              <a:t>output </a:t>
+            </a:r>
+            <a:r>
+              <a:rPr lang="ko-KR" altLang="en-US" dirty="0"/>
+              <a:t>파일명 생성</a:t>
+            </a:r>
+          </a:p>
+        </p:txBody>
+      </p:sp>
+      <p:pic>
+        <p:nvPicPr>
+          <p:cNvPr id="7" name="그림 6">
+            <a:extLst>
+              <a:ext uri="{FF2B5EF4-FFF2-40B4-BE49-F238E27FC236}">
+                <a16:creationId xmlns:a16="http://schemas.microsoft.com/office/drawing/2014/main" id="{C33A98DA-B99C-41CB-8DE7-7166541BB312}"/>
+              </a:ext>
+            </a:extLst>
+          </p:cNvPr>
+          <p:cNvPicPr>
+            <a:picLocks noChangeAspect="1"/>
+          </p:cNvPicPr>
+          <p:nvPr/>
+        </p:nvPicPr>
+        <p:blipFill>
+          <a:blip r:embed="rId2">
+            <a:clrChange>
+              <a:clrFrom>
+                <a:srgbClr val="F7F5F7"/>
+              </a:clrFrom>
+              <a:clrTo>
+                <a:srgbClr val="F7F5F7">
+                  <a:alpha val="0"/>
+                </a:srgbClr>
+              </a:clrTo>
+            </a:clrChange>
+            <a:extLst>
+              <a:ext uri="{28A0092B-C50C-407E-A947-70E740481C1C}">
+                <a14:useLocalDpi xmlns:a14="http://schemas.microsoft.com/office/drawing/2010/main" val="0"/>
+              </a:ext>
+            </a:extLst>
+          </a:blip>
+          <a:stretch>
+            <a:fillRect/>
+          </a:stretch>
+        </p:blipFill>
+        <p:spPr>
+          <a:xfrm>
+            <a:off x="148243" y="889462"/>
+            <a:ext cx="6363588" cy="1819529"/>
+          </a:xfrm>
+          <a:prstGeom prst="rect">
+            <a:avLst/>
+          </a:prstGeom>
+        </p:spPr>
+      </p:pic>
+    </p:spTree>
+    <p:extLst>
+      <p:ext uri="{BB962C8B-B14F-4D97-AF65-F5344CB8AC3E}">
+        <p14:creationId xmlns:p14="http://schemas.microsoft.com/office/powerpoint/2010/main" val="2872661511"/>
+      </p:ext>
+    </p:extLst>
+  </p:cSld>
+  <p:clrMapOvr>
+    <a:masterClrMapping/>
+  </p:clrMapOvr>
+</p:sld>
+</file>
+
+<file path=ppt/slides/slide13.xml><?xml version="1.0" encoding="utf-8"?>
+<p:sld xmlns:a="http://schemas.openxmlformats.org/drawingml/2006/main" xmlns:r="http://schemas.openxmlformats.org/officeDocument/2006/relationships" xmlns:p="http://schemas.openxmlformats.org/presentationml/2006/main">
+  <p:cSld>
+    <p:spTree>
+      <p:nvGrpSpPr>
+        <p:cNvPr id="1" name=""/>
+        <p:cNvGrpSpPr/>
+        <p:nvPr/>
+      </p:nvGrpSpPr>
+      <p:grpSpPr>
+        <a:xfrm>
+          <a:off x="0" y="0"/>
+          <a:ext cx="0" cy="0"/>
+          <a:chOff x="0" y="0"/>
+          <a:chExt cx="0" cy="0"/>
+        </a:xfrm>
+      </p:grpSpPr>
+      <p:sp>
+        <p:nvSpPr>
+          <p:cNvPr id="2" name="제목 1">
+            <a:extLst>
+              <a:ext uri="{FF2B5EF4-FFF2-40B4-BE49-F238E27FC236}">
+                <a16:creationId xmlns:a16="http://schemas.microsoft.com/office/drawing/2014/main" id="{58C9A582-B749-43DA-A68D-C9F071684B2C}"/>
+              </a:ext>
+            </a:extLst>
+          </p:cNvPr>
+          <p:cNvSpPr>
+            <a:spLocks noGrp="1"/>
+          </p:cNvSpPr>
+          <p:nvPr>
+            <p:ph type="title"/>
+          </p:nvPr>
+        </p:nvSpPr>
+        <p:spPr/>
+        <p:txBody>
+          <a:bodyPr/>
+          <a:lstStyle/>
+          <a:p>
+            <a:r>
+              <a:rPr lang="en-US" altLang="ko-KR" dirty="0"/>
+              <a:t>8-1) Webpack loader</a:t>
+            </a:r>
+            <a:r>
+              <a:rPr lang="ko-KR" altLang="en-US" dirty="0"/>
+              <a:t>란</a:t>
+            </a:r>
+          </a:p>
+        </p:txBody>
+      </p:sp>
+      <p:sp>
+        <p:nvSpPr>
+          <p:cNvPr id="3" name="내용 개체 틀 2">
+            <a:extLst>
+              <a:ext uri="{FF2B5EF4-FFF2-40B4-BE49-F238E27FC236}">
+                <a16:creationId xmlns:a16="http://schemas.microsoft.com/office/drawing/2014/main" id="{A98AC4BD-E441-43D0-AB7F-696F73AF7B12}"/>
+              </a:ext>
+            </a:extLst>
+          </p:cNvPr>
+          <p:cNvSpPr>
+            <a:spLocks noGrp="1"/>
+          </p:cNvSpPr>
+          <p:nvPr>
+            <p:ph idx="1"/>
+          </p:nvPr>
+        </p:nvSpPr>
+        <p:spPr>
+          <a:xfrm>
+            <a:off x="148243" y="1047405"/>
+            <a:ext cx="11888584" cy="752937"/>
+          </a:xfrm>
+        </p:spPr>
+        <p:txBody>
+          <a:bodyPr/>
+          <a:lstStyle/>
+          <a:p>
+            <a:r>
+              <a:rPr lang="ko-KR" altLang="en-US" dirty="0" err="1"/>
+              <a:t>웹팩은</a:t>
+            </a:r>
+            <a:r>
+              <a:rPr lang="ko-KR" altLang="en-US" dirty="0"/>
+              <a:t> 자바스크립트 파일만 처리가 가능하도록 되어있다</a:t>
+            </a:r>
+            <a:r>
+              <a:rPr lang="en-US" altLang="ko-KR" dirty="0"/>
+              <a:t>.</a:t>
+            </a:r>
+          </a:p>
+          <a:p>
+            <a:r>
+              <a:rPr lang="en-US" altLang="ko-KR" dirty="0"/>
+              <a:t>loader</a:t>
+            </a:r>
+            <a:r>
+              <a:rPr lang="ko-KR" altLang="en-US" dirty="0"/>
+              <a:t>를 사용하여 다른 형태의 웹 자원들</a:t>
+            </a:r>
+            <a:r>
+              <a:rPr lang="en-US" altLang="ko-KR" dirty="0"/>
+              <a:t>(</a:t>
+            </a:r>
+            <a:r>
+              <a:rPr lang="en-US" altLang="ko-KR" dirty="0" err="1"/>
+              <a:t>img</a:t>
+            </a:r>
+            <a:r>
+              <a:rPr lang="en-US" altLang="ko-KR" dirty="0"/>
+              <a:t>, </a:t>
+            </a:r>
+            <a:r>
+              <a:rPr lang="en-US" altLang="ko-KR" dirty="0" err="1"/>
+              <a:t>css</a:t>
+            </a:r>
+            <a:r>
+              <a:rPr lang="en-US" altLang="ko-KR" dirty="0"/>
+              <a:t>, …)</a:t>
+            </a:r>
+            <a:r>
+              <a:rPr lang="ko-KR" altLang="en-US" dirty="0"/>
+              <a:t>을 </a:t>
+            </a:r>
+            <a:r>
+              <a:rPr lang="en-US" altLang="ko-KR" dirty="0" err="1"/>
+              <a:t>js</a:t>
+            </a:r>
+            <a:r>
+              <a:rPr lang="ko-KR" altLang="en-US" dirty="0"/>
+              <a:t>로 변환하여 </a:t>
+            </a:r>
+            <a:r>
+              <a:rPr lang="ko-KR" altLang="en-US" dirty="0" err="1"/>
+              <a:t>로딩할</a:t>
+            </a:r>
+            <a:r>
+              <a:rPr lang="ko-KR" altLang="en-US" dirty="0"/>
+              <a:t> 수 있다</a:t>
+            </a:r>
+            <a:r>
+              <a:rPr lang="en-US" altLang="ko-KR" dirty="0"/>
+              <a:t>.</a:t>
+            </a:r>
+            <a:endParaRPr lang="ko-KR" altLang="en-US" dirty="0"/>
+          </a:p>
+        </p:txBody>
+      </p:sp>
+      <p:pic>
+        <p:nvPicPr>
+          <p:cNvPr id="5" name="그림 4">
+            <a:extLst>
+              <a:ext uri="{FF2B5EF4-FFF2-40B4-BE49-F238E27FC236}">
+                <a16:creationId xmlns:a16="http://schemas.microsoft.com/office/drawing/2014/main" id="{04A3530F-6C97-48C1-BB01-1BCBD6782CE9}"/>
+              </a:ext>
+            </a:extLst>
+          </p:cNvPr>
+          <p:cNvPicPr>
+            <a:picLocks noChangeAspect="1"/>
+          </p:cNvPicPr>
+          <p:nvPr/>
+        </p:nvPicPr>
+        <p:blipFill>
+          <a:blip r:embed="rId2">
+            <a:clrChange>
+              <a:clrFrom>
+                <a:srgbClr val="F7F5F7"/>
+              </a:clrFrom>
+              <a:clrTo>
+                <a:srgbClr val="F7F5F7">
+                  <a:alpha val="0"/>
+                </a:srgbClr>
+              </a:clrTo>
+            </a:clrChange>
+            <a:extLst>
+              <a:ext uri="{28A0092B-C50C-407E-A947-70E740481C1C}">
+                <a14:useLocalDpi xmlns:a14="http://schemas.microsoft.com/office/drawing/2010/main" val="0"/>
+              </a:ext>
+            </a:extLst>
+          </a:blip>
+          <a:stretch>
+            <a:fillRect/>
+          </a:stretch>
+        </p:blipFill>
+        <p:spPr>
+          <a:xfrm>
+            <a:off x="148243" y="1800342"/>
+            <a:ext cx="8089746" cy="3334483"/>
+          </a:xfrm>
+          <a:prstGeom prst="rect">
+            <a:avLst/>
+          </a:prstGeom>
+        </p:spPr>
+      </p:pic>
+    </p:spTree>
+    <p:extLst>
+      <p:ext uri="{BB962C8B-B14F-4D97-AF65-F5344CB8AC3E}">
+        <p14:creationId xmlns:p14="http://schemas.microsoft.com/office/powerpoint/2010/main" val="2511514058"/>
       </p:ext>
     </p:extLst>
   </p:cSld>
@@ -5060,14 +5790,14 @@
           <a:p>
             <a:r>
               <a:rPr lang="en-US" altLang="ko-KR" dirty="0"/>
-              <a:t>5) NPM (Node Package Manager)</a:t>
+              <a:t>5-1) NPM (Node Package Manager)</a:t>
             </a:r>
             <a:r>
               <a:rPr lang="ko-KR" altLang="en-US" dirty="0"/>
               <a:t>이란</a:t>
             </a:r>
             <a:r>
-              <a:rPr lang="en-US" altLang="ko-KR"/>
+              <a:rPr lang="en-US" altLang="ko-KR" dirty="0"/>
               <a:t>?</a:t>
             </a:r>
             <a:endParaRPr lang="ko-KR" altLang="en-US" dirty="0"/>
@@ -5095,7 +5825,117 @@
           <a:bodyPr/>
           <a:lstStyle/>
           <a:p>
-            <a:endParaRPr lang="ko-KR" altLang="en-US"/>
+            <a:r>
+              <a:rPr lang="en-US" altLang="ko-KR" dirty="0"/>
+              <a:t>JS </a:t>
+            </a:r>
+            <a:r>
+              <a:rPr lang="ko-KR" altLang="en-US" dirty="0"/>
+              <a:t>개발자들이 편하게 개발할 수 있도록 </a:t>
+            </a:r>
+            <a:r>
+              <a:rPr lang="en-US" altLang="ko-KR" dirty="0"/>
+              <a:t>JS </a:t>
+            </a:r>
+            <a:r>
+              <a:rPr lang="ko-KR" altLang="en-US" dirty="0"/>
+              <a:t>라이브러리들을 모아 놓은 공간</a:t>
+            </a:r>
+            <a:endParaRPr lang="en-US" altLang="ko-KR" dirty="0"/>
+          </a:p>
+          <a:p>
+            <a:r>
+              <a:rPr lang="en-US" altLang="ko-KR" dirty="0"/>
+              <a:t>Front-end web apps, mobile apps, robots, routers </a:t>
+            </a:r>
+            <a:r>
+              <a:rPr lang="ko-KR" altLang="en-US" dirty="0"/>
+              <a:t>라이브러리들이 존재</a:t>
+            </a:r>
+            <a:endParaRPr lang="en-US" altLang="ko-KR" dirty="0"/>
+          </a:p>
+          <a:p>
+            <a:r>
+              <a:rPr lang="en-US" altLang="ko-KR" dirty="0"/>
+              <a:t>Gulp, Webpack </a:t>
+            </a:r>
+            <a:r>
+              <a:rPr lang="ko-KR" altLang="en-US" dirty="0"/>
+              <a:t>모두 </a:t>
+            </a:r>
+            <a:r>
+              <a:rPr lang="en-US" altLang="ko-KR" dirty="0"/>
+              <a:t>node </a:t>
+            </a:r>
+            <a:r>
+              <a:rPr lang="ko-KR" altLang="en-US" dirty="0"/>
+              <a:t>기반</a:t>
+            </a:r>
+            <a:r>
+              <a:rPr lang="en-US" altLang="ko-KR" dirty="0"/>
+              <a:t>, NPM</a:t>
+            </a:r>
+            <a:r>
+              <a:rPr lang="ko-KR" altLang="en-US" dirty="0"/>
+              <a:t>을 사용하여 필요 라이브러리들을 로딩</a:t>
+            </a:r>
+            <a:endParaRPr lang="en-US" altLang="ko-KR" dirty="0"/>
+          </a:p>
+          <a:p>
+            <a:r>
+              <a:rPr lang="ko-KR" altLang="en-US" dirty="0"/>
+              <a:t>재사용 가능한 </a:t>
+            </a:r>
+            <a:r>
+              <a:rPr lang="en-US" altLang="ko-KR" dirty="0"/>
+              <a:t>code</a:t>
+            </a:r>
+            <a:r>
+              <a:rPr lang="ko-KR" altLang="en-US" dirty="0"/>
+              <a:t>를 </a:t>
+            </a:r>
+            <a:r>
+              <a:rPr lang="en-US" altLang="ko-KR" dirty="0"/>
+              <a:t>modules, package</a:t>
+            </a:r>
+            <a:r>
+              <a:rPr lang="ko-KR" altLang="en-US" dirty="0"/>
+              <a:t>라고 호칭</a:t>
+            </a:r>
+            <a:endParaRPr lang="en-US" altLang="ko-KR" dirty="0"/>
+          </a:p>
+          <a:p>
+            <a:r>
+              <a:rPr lang="en-US" altLang="ko-KR" dirty="0" err="1"/>
+              <a:t>package.json</a:t>
+            </a:r>
+            <a:r>
+              <a:rPr lang="en-US" altLang="ko-KR" dirty="0"/>
+              <a:t> : </a:t>
+            </a:r>
+            <a:r>
+              <a:rPr lang="ko-KR" altLang="en-US" dirty="0"/>
+              <a:t>해당 </a:t>
+            </a:r>
+            <a:r>
+              <a:rPr lang="en-US" altLang="ko-KR" dirty="0"/>
+              <a:t>package</a:t>
+            </a:r>
+            <a:r>
+              <a:rPr lang="ko-KR" altLang="en-US" dirty="0"/>
+              <a:t>에 대한 파일 정보가 들어가 있음</a:t>
+            </a:r>
+            <a:endParaRPr lang="en-US" altLang="ko-KR" dirty="0"/>
+          </a:p>
+          <a:p>
+            <a:r>
+              <a:rPr lang="en-US" altLang="ko-KR" dirty="0" err="1"/>
+              <a:t>Keyworkd</a:t>
+            </a:r>
+            <a:r>
+              <a:rPr lang="ko-KR" altLang="en-US" dirty="0"/>
+              <a:t>로 패키지 검색 가능</a:t>
+            </a:r>
           </a:p>
         </p:txBody>
       </p:sp>
@@ -5103,6 +5943,600 @@
     <p:extLst>
       <p:ext uri="{BB962C8B-B14F-4D97-AF65-F5344CB8AC3E}">
         <p14:creationId xmlns:p14="http://schemas.microsoft.com/office/powerpoint/2010/main" val="3760725530"/>
+      </p:ext>
+    </p:extLst>
+  </p:cSld>
+  <p:clrMapOvr>
+    <a:masterClrMapping/>
+  </p:clrMapOvr>
+</p:sld>
+</file>
+
+<file path=ppt/slides/slide8.xml><?xml version="1.0" encoding="utf-8"?>
+<p:sld xmlns:a="http://schemas.openxmlformats.org/drawingml/2006/main" xmlns:r="http://schemas.openxmlformats.org/officeDocument/2006/relationships" xmlns:p="http://schemas.openxmlformats.org/presentationml/2006/main">
+  <p:cSld>
+    <p:spTree>
+      <p:nvGrpSpPr>
+        <p:cNvPr id="1" name=""/>
+        <p:cNvGrpSpPr/>
+        <p:nvPr/>
+      </p:nvGrpSpPr>
+      <p:grpSpPr>
+        <a:xfrm>
+          <a:off x="0" y="0"/>
+          <a:ext cx="0" cy="0"/>
+          <a:chOff x="0" y="0"/>
+          <a:chExt cx="0" cy="0"/>
+        </a:xfrm>
+      </p:grpSpPr>
+      <p:sp>
+        <p:nvSpPr>
+          <p:cNvPr id="2" name="제목 1">
+            <a:extLst>
+              <a:ext uri="{FF2B5EF4-FFF2-40B4-BE49-F238E27FC236}">
+                <a16:creationId xmlns:a16="http://schemas.microsoft.com/office/drawing/2014/main" id="{88A76FE6-D8C1-4F70-9512-E21A3B7EA8BA}"/>
+              </a:ext>
+            </a:extLst>
+          </p:cNvPr>
+          <p:cNvSpPr>
+            <a:spLocks noGrp="1"/>
+          </p:cNvSpPr>
+          <p:nvPr>
+            <p:ph type="title"/>
+          </p:nvPr>
+        </p:nvSpPr>
+        <p:spPr/>
+        <p:txBody>
+          <a:bodyPr/>
+          <a:lstStyle/>
+          <a:p>
+            <a:r>
+              <a:rPr lang="en-US" altLang="ko-KR" dirty="0"/>
+              <a:t>5-2) NPM </a:t>
+            </a:r>
+            <a:r>
+              <a:rPr lang="ko-KR" altLang="en-US" dirty="0"/>
+              <a:t>기본 명령어</a:t>
+            </a:r>
+          </a:p>
+        </p:txBody>
+      </p:sp>
+      <p:sp>
+        <p:nvSpPr>
+          <p:cNvPr id="3" name="내용 개체 틀 2">
+            <a:extLst>
+              <a:ext uri="{FF2B5EF4-FFF2-40B4-BE49-F238E27FC236}">
+                <a16:creationId xmlns:a16="http://schemas.microsoft.com/office/drawing/2014/main" id="{D0199E72-FF78-4F80-B623-282B11321CDB}"/>
+              </a:ext>
+            </a:extLst>
+          </p:cNvPr>
+          <p:cNvSpPr>
+            <a:spLocks noGrp="1"/>
+          </p:cNvSpPr>
+          <p:nvPr>
+            <p:ph idx="1"/>
+          </p:nvPr>
+        </p:nvSpPr>
+        <p:spPr/>
+        <p:txBody>
+          <a:bodyPr/>
+          <a:lstStyle/>
+          <a:p>
+            <a:pPr marL="342900" indent="-342900">
+              <a:buFont typeface="+mj-lt"/>
+              <a:buAutoNum type="arabicPeriod"/>
+            </a:pPr>
+            <a:r>
+              <a:rPr lang="en-US" altLang="ko-KR" dirty="0" err="1"/>
+              <a:t>Package.json</a:t>
+            </a:r>
+            <a:r>
+              <a:rPr lang="en-US" altLang="ko-KR" dirty="0"/>
+              <a:t> </a:t>
+            </a:r>
+            <a:r>
+              <a:rPr lang="ko-KR" altLang="en-US" dirty="0"/>
+              <a:t>생성</a:t>
+            </a:r>
+            <a:endParaRPr lang="en-US" altLang="ko-KR" dirty="0"/>
+          </a:p>
+          <a:p>
+            <a:pPr lvl="1"/>
+            <a:r>
+              <a:rPr lang="ko-KR" altLang="en-US" dirty="0"/>
+              <a:t>프로젝트의 </a:t>
+            </a:r>
+            <a:r>
+              <a:rPr lang="en-US" altLang="ko-KR" dirty="0"/>
+              <a:t>node modules</a:t>
+            </a:r>
+            <a:r>
+              <a:rPr lang="ko-KR" altLang="en-US" dirty="0"/>
+              <a:t>를 관리하기 위한 </a:t>
+            </a:r>
+            <a:r>
+              <a:rPr lang="en-US" altLang="ko-KR" dirty="0" err="1"/>
+              <a:t>package.json</a:t>
+            </a:r>
+            <a:r>
+              <a:rPr lang="en-US" altLang="ko-KR" dirty="0"/>
+              <a:t> </a:t>
+            </a:r>
+            <a:r>
+              <a:rPr lang="ko-KR" altLang="en-US" dirty="0"/>
+              <a:t>설정</a:t>
+            </a:r>
+            <a:endParaRPr lang="en-US" altLang="ko-KR" dirty="0"/>
+          </a:p>
+          <a:p>
+            <a:pPr lvl="1"/>
+            <a:r>
+              <a:rPr lang="ko-KR" altLang="en-US" dirty="0"/>
+              <a:t>명령어 </a:t>
+            </a:r>
+            <a:r>
+              <a:rPr lang="en-US" altLang="ko-KR" dirty="0"/>
+              <a:t>: </a:t>
+            </a:r>
+            <a:r>
+              <a:rPr lang="en-US" altLang="ko-KR" dirty="0" err="1"/>
+              <a:t>npm</a:t>
+            </a:r>
+            <a:r>
+              <a:rPr lang="en-US" altLang="ko-KR" dirty="0"/>
+              <a:t> </a:t>
+            </a:r>
+            <a:r>
+              <a:rPr lang="en-US" altLang="ko-KR" dirty="0" err="1"/>
+              <a:t>init</a:t>
+            </a:r>
+            <a:endParaRPr lang="en-US" altLang="ko-KR" dirty="0"/>
+          </a:p>
+          <a:p>
+            <a:pPr lvl="2"/>
+            <a:r>
+              <a:rPr lang="en-US" altLang="ko-KR" dirty="0"/>
+              <a:t>-y </a:t>
+            </a:r>
+            <a:r>
+              <a:rPr lang="ko-KR" altLang="en-US" dirty="0"/>
+              <a:t>옵션 </a:t>
+            </a:r>
+            <a:r>
+              <a:rPr lang="en-US" altLang="ko-KR" dirty="0"/>
+              <a:t>: default </a:t>
+            </a:r>
+            <a:r>
+              <a:rPr lang="ko-KR" altLang="en-US" dirty="0"/>
+              <a:t>정보를 가지고 </a:t>
+            </a:r>
+            <a:r>
+              <a:rPr lang="en-US" altLang="ko-KR" dirty="0" err="1"/>
+              <a:t>package.json</a:t>
+            </a:r>
+            <a:r>
+              <a:rPr lang="en-US" altLang="ko-KR" dirty="0"/>
+              <a:t> </a:t>
+            </a:r>
+            <a:r>
+              <a:rPr lang="ko-KR" altLang="en-US" dirty="0"/>
+              <a:t>생성</a:t>
+            </a:r>
+            <a:endParaRPr lang="en-US" altLang="ko-KR" dirty="0"/>
+          </a:p>
+          <a:p>
+            <a:pPr marL="342900" indent="-342900">
+              <a:buFont typeface="+mj-lt"/>
+              <a:buAutoNum type="arabicPeriod"/>
+            </a:pPr>
+            <a:r>
+              <a:rPr lang="ko-KR" altLang="en-US" dirty="0"/>
+              <a:t>패키지 설치 및 업데이트</a:t>
+            </a:r>
+            <a:endParaRPr lang="en-US" altLang="ko-KR" dirty="0"/>
+          </a:p>
+          <a:p>
+            <a:pPr lvl="1"/>
+            <a:r>
+              <a:rPr lang="ko-KR" altLang="en-US" dirty="0"/>
+              <a:t>프로젝트에서 사용할 </a:t>
+            </a:r>
+            <a:r>
+              <a:rPr lang="en-US" altLang="ko-KR" dirty="0"/>
+              <a:t>node modules </a:t>
+            </a:r>
+            <a:r>
+              <a:rPr lang="ko-KR" altLang="en-US" dirty="0"/>
+              <a:t>설치 및 </a:t>
+            </a:r>
+            <a:r>
+              <a:rPr lang="en-US" altLang="ko-KR" dirty="0" err="1"/>
+              <a:t>package.json</a:t>
+            </a:r>
+            <a:r>
+              <a:rPr lang="en-US" altLang="ko-KR" dirty="0"/>
+              <a:t> </a:t>
+            </a:r>
+            <a:r>
+              <a:rPr lang="ko-KR" altLang="en-US" dirty="0"/>
+              <a:t>업데이트</a:t>
+            </a:r>
+            <a:endParaRPr lang="en-US" altLang="ko-KR" dirty="0"/>
+          </a:p>
+          <a:p>
+            <a:pPr lvl="1"/>
+            <a:r>
+              <a:rPr lang="ko-KR" altLang="en-US" dirty="0"/>
+              <a:t>명령어 </a:t>
+            </a:r>
+            <a:r>
+              <a:rPr lang="en-US" altLang="ko-KR" dirty="0"/>
+              <a:t>: </a:t>
+            </a:r>
+            <a:r>
+              <a:rPr lang="en-US" altLang="ko-KR" dirty="0" err="1"/>
+              <a:t>npm</a:t>
+            </a:r>
+            <a:r>
+              <a:rPr lang="en-US" altLang="ko-KR" dirty="0"/>
+              <a:t> install </a:t>
+            </a:r>
+            <a:r>
+              <a:rPr lang="ko-KR" altLang="en-US" dirty="0"/>
+              <a:t>패키지명</a:t>
+            </a:r>
+            <a:endParaRPr lang="en-US" altLang="ko-KR" dirty="0"/>
+          </a:p>
+          <a:p>
+            <a:pPr lvl="2"/>
+            <a:r>
+              <a:rPr lang="en-US" altLang="ko-KR" dirty="0"/>
+              <a:t>--save </a:t>
+            </a:r>
+            <a:r>
+              <a:rPr lang="ko-KR" altLang="en-US" dirty="0"/>
+              <a:t>옵션 </a:t>
+            </a:r>
+            <a:r>
+              <a:rPr lang="en-US" altLang="ko-KR" dirty="0"/>
+              <a:t>: </a:t>
+            </a:r>
+            <a:r>
+              <a:rPr lang="en-US" altLang="ko-KR" dirty="0" err="1"/>
+              <a:t>package.json</a:t>
+            </a:r>
+            <a:r>
+              <a:rPr lang="ko-KR" altLang="en-US" dirty="0"/>
+              <a:t>에 </a:t>
+            </a:r>
+            <a:r>
+              <a:rPr lang="en-US" altLang="ko-KR" dirty="0"/>
+              <a:t>dependencies</a:t>
+            </a:r>
+            <a:r>
+              <a:rPr lang="ko-KR" altLang="en-US" dirty="0"/>
+              <a:t> 모듈을 추가함 </a:t>
+            </a:r>
+            <a:r>
+              <a:rPr lang="en-US" altLang="ko-KR" u="sng" dirty="0"/>
+              <a:t>(</a:t>
+            </a:r>
+            <a:r>
+              <a:rPr lang="ko-KR" altLang="en-US" u="sng" dirty="0"/>
+              <a:t>앱이 구동되기 위한 모듈을 설치할 때</a:t>
+            </a:r>
+            <a:r>
+              <a:rPr lang="en-US" altLang="ko-KR" u="sng" dirty="0"/>
+              <a:t>)</a:t>
+            </a:r>
+          </a:p>
+          <a:p>
+            <a:pPr lvl="2"/>
+            <a:r>
+              <a:rPr lang="en-US" altLang="ko-KR" dirty="0"/>
+              <a:t>--save-dev</a:t>
+            </a:r>
+            <a:r>
+              <a:rPr lang="ko-KR" altLang="en-US" dirty="0"/>
+              <a:t> 옵션 </a:t>
+            </a:r>
+            <a:r>
+              <a:rPr lang="en-US" altLang="ko-KR" dirty="0"/>
+              <a:t>: </a:t>
+            </a:r>
+            <a:r>
+              <a:rPr lang="en-US" altLang="ko-KR" dirty="0" err="1"/>
+              <a:t>package.json</a:t>
+            </a:r>
+            <a:r>
+              <a:rPr lang="ko-KR" altLang="en-US" dirty="0"/>
+              <a:t>에 </a:t>
+            </a:r>
+            <a:r>
+              <a:rPr lang="en-US" altLang="ko-KR" dirty="0" err="1"/>
+              <a:t>devDependencies</a:t>
+            </a:r>
+            <a:r>
+              <a:rPr lang="ko-KR" altLang="en-US" dirty="0"/>
+              <a:t>에 모듈을 추가함 </a:t>
+            </a:r>
+            <a:r>
+              <a:rPr lang="en-US" altLang="ko-KR" u="sng" dirty="0"/>
+              <a:t>{</a:t>
+            </a:r>
+            <a:r>
+              <a:rPr lang="ko-KR" altLang="en-US" u="sng" dirty="0"/>
+              <a:t>개발시에 필요한 모듈을 설치할 때 </a:t>
+            </a:r>
+            <a:r>
+              <a:rPr lang="en-US" altLang="ko-KR" u="sng" dirty="0"/>
+              <a:t>(build tool, test)}</a:t>
+            </a:r>
+          </a:p>
+          <a:p>
+            <a:pPr lvl="2"/>
+            <a:r>
+              <a:rPr lang="en-US" altLang="ko-KR" dirty="0"/>
+              <a:t>-global </a:t>
+            </a:r>
+            <a:r>
+              <a:rPr lang="ko-KR" altLang="en-US" dirty="0"/>
+              <a:t>옵션 </a:t>
+            </a:r>
+            <a:r>
+              <a:rPr lang="en-US" altLang="ko-KR" dirty="0"/>
+              <a:t>: </a:t>
+            </a:r>
+            <a:r>
+              <a:rPr lang="ko-KR" altLang="en-US" dirty="0"/>
+              <a:t>전역에 모듈이 설치 됨</a:t>
+            </a:r>
+            <a:endParaRPr lang="en-US" altLang="ko-KR" dirty="0"/>
+          </a:p>
+          <a:p>
+            <a:pPr lvl="1"/>
+            <a:r>
+              <a:rPr lang="en-US" altLang="ko-KR" dirty="0" err="1"/>
+              <a:t>devDependencies</a:t>
+            </a:r>
+            <a:r>
+              <a:rPr lang="en-US" altLang="ko-KR" dirty="0"/>
+              <a:t> vs dependencies</a:t>
+            </a:r>
+          </a:p>
+          <a:p>
+            <a:pPr lvl="2"/>
+            <a:r>
+              <a:rPr lang="en-US" altLang="ko-KR" dirty="0" err="1"/>
+              <a:t>npm</a:t>
+            </a:r>
+            <a:r>
+              <a:rPr lang="en-US" altLang="ko-KR" dirty="0"/>
+              <a:t> install –production : </a:t>
+            </a:r>
+            <a:r>
+              <a:rPr lang="en-US" altLang="ko-KR" dirty="0" err="1"/>
+              <a:t>devDependencies</a:t>
+            </a:r>
+            <a:r>
+              <a:rPr lang="ko-KR" altLang="en-US" dirty="0"/>
+              <a:t>에 있는 모듈은 제외하고 </a:t>
+            </a:r>
+            <a:r>
+              <a:rPr lang="en-US" altLang="ko-KR" dirty="0"/>
+              <a:t>dependencies</a:t>
+            </a:r>
+            <a:r>
+              <a:rPr lang="ko-KR" altLang="en-US" dirty="0"/>
+              <a:t>에 있는 모듈만 설치 됨</a:t>
+            </a:r>
+            <a:endParaRPr lang="en-US" altLang="ko-KR" dirty="0"/>
+          </a:p>
+        </p:txBody>
+      </p:sp>
+    </p:spTree>
+    <p:extLst>
+      <p:ext uri="{BB962C8B-B14F-4D97-AF65-F5344CB8AC3E}">
+        <p14:creationId xmlns:p14="http://schemas.microsoft.com/office/powerpoint/2010/main" val="3932240426"/>
+      </p:ext>
+    </p:extLst>
+  </p:cSld>
+  <p:clrMapOvr>
+    <a:masterClrMapping/>
+  </p:clrMapOvr>
+</p:sld>
+</file>
+
+<file path=ppt/slides/slide9.xml><?xml version="1.0" encoding="utf-8"?>
+<p:sld xmlns:a="http://schemas.openxmlformats.org/drawingml/2006/main" xmlns:r="http://schemas.openxmlformats.org/officeDocument/2006/relationships" xmlns:p="http://schemas.openxmlformats.org/presentationml/2006/main">
+  <p:cSld>
+    <p:spTree>
+      <p:nvGrpSpPr>
+        <p:cNvPr id="1" name=""/>
+        <p:cNvGrpSpPr/>
+        <p:nvPr/>
+      </p:nvGrpSpPr>
+      <p:grpSpPr>
+        <a:xfrm>
+          <a:off x="0" y="0"/>
+          <a:ext cx="0" cy="0"/>
+          <a:chOff x="0" y="0"/>
+          <a:chExt cx="0" cy="0"/>
+        </a:xfrm>
+      </p:grpSpPr>
+      <p:sp>
+        <p:nvSpPr>
+          <p:cNvPr id="2" name="제목 1">
+            <a:extLst>
+              <a:ext uri="{FF2B5EF4-FFF2-40B4-BE49-F238E27FC236}">
+                <a16:creationId xmlns:a16="http://schemas.microsoft.com/office/drawing/2014/main" id="{25CACC54-86D7-4A1C-B0DF-D239F5F2A464}"/>
+              </a:ext>
+            </a:extLst>
+          </p:cNvPr>
+          <p:cNvSpPr>
+            <a:spLocks noGrp="1"/>
+          </p:cNvSpPr>
+          <p:nvPr>
+            <p:ph type="title"/>
+          </p:nvPr>
+        </p:nvSpPr>
+        <p:spPr/>
+        <p:txBody>
+          <a:bodyPr/>
+          <a:lstStyle/>
+          <a:p>
+            <a:r>
+              <a:rPr lang="en-US" altLang="ko-KR" dirty="0"/>
+              <a:t>6-1) Webpack Entry</a:t>
+            </a:r>
+            <a:r>
+              <a:rPr lang="ko-KR" altLang="en-US" dirty="0"/>
+              <a:t>란</a:t>
+            </a:r>
+          </a:p>
+        </p:txBody>
+      </p:sp>
+      <p:sp>
+        <p:nvSpPr>
+          <p:cNvPr id="3" name="내용 개체 틀 2">
+            <a:extLst>
+              <a:ext uri="{FF2B5EF4-FFF2-40B4-BE49-F238E27FC236}">
+                <a16:creationId xmlns:a16="http://schemas.microsoft.com/office/drawing/2014/main" id="{1563D006-CEA0-4949-90A0-0A4D1830CA17}"/>
+              </a:ext>
+            </a:extLst>
+          </p:cNvPr>
+          <p:cNvSpPr>
+            <a:spLocks noGrp="1"/>
+          </p:cNvSpPr>
+          <p:nvPr>
+            <p:ph idx="1"/>
+          </p:nvPr>
+        </p:nvSpPr>
+        <p:spPr/>
+        <p:txBody>
+          <a:bodyPr/>
+          <a:lstStyle/>
+          <a:p>
+            <a:r>
+              <a:rPr lang="en-US" altLang="ko-KR" dirty="0"/>
+              <a:t>webpack</a:t>
+            </a:r>
+            <a:r>
+              <a:rPr lang="ko-KR" altLang="en-US" dirty="0"/>
+              <a:t>으로 묶은 모든 라이브러리들을 </a:t>
+            </a:r>
+            <a:r>
+              <a:rPr lang="ko-KR" altLang="en-US" dirty="0" err="1"/>
+              <a:t>로딩할</a:t>
+            </a:r>
+            <a:r>
+              <a:rPr lang="ko-KR" altLang="en-US" dirty="0"/>
+              <a:t> 시작점 설정</a:t>
+            </a:r>
+            <a:r>
+              <a:rPr lang="en-US" altLang="ko-KR" dirty="0"/>
+              <a:t>.</a:t>
+            </a:r>
+          </a:p>
+          <a:p>
+            <a:r>
+              <a:rPr lang="en-US" altLang="ko-KR" dirty="0"/>
+              <a:t>a, b, c </a:t>
+            </a:r>
+            <a:r>
+              <a:rPr lang="ko-KR" altLang="en-US" dirty="0"/>
+              <a:t>라이브러리를 모두 </a:t>
+            </a:r>
+            <a:r>
+              <a:rPr lang="ko-KR" altLang="en-US" dirty="0" err="1"/>
+              <a:t>번들링한</a:t>
+            </a:r>
+            <a:r>
+              <a:rPr lang="ko-KR" altLang="en-US" dirty="0"/>
+              <a:t> </a:t>
+            </a:r>
+            <a:r>
+              <a:rPr lang="en-US" altLang="ko-KR" dirty="0"/>
+              <a:t>bundle.js</a:t>
+            </a:r>
+            <a:r>
+              <a:rPr lang="ko-KR" altLang="en-US" dirty="0"/>
+              <a:t>를 </a:t>
+            </a:r>
+            <a:r>
+              <a:rPr lang="ko-KR" altLang="en-US" dirty="0" err="1"/>
+              <a:t>로딩한다</a:t>
+            </a:r>
+            <a:r>
+              <a:rPr lang="en-US" altLang="ko-KR" dirty="0"/>
+              <a:t>.</a:t>
+            </a:r>
+          </a:p>
+          <a:p>
+            <a:r>
+              <a:rPr lang="en-US" altLang="ko-KR" dirty="0"/>
+              <a:t>1</a:t>
+            </a:r>
+            <a:r>
+              <a:rPr lang="ko-KR" altLang="en-US" dirty="0"/>
+              <a:t>개 또는 </a:t>
+            </a:r>
+            <a:r>
+              <a:rPr lang="en-US" altLang="ko-KR" dirty="0"/>
+              <a:t>2</a:t>
+            </a:r>
+            <a:r>
+              <a:rPr lang="ko-KR" altLang="en-US" dirty="0"/>
+              <a:t>개 이상의 엔트리 포인트를 설정할 수 있다</a:t>
+            </a:r>
+            <a:r>
+              <a:rPr lang="en-US" altLang="ko-KR" dirty="0"/>
+              <a:t>.</a:t>
+            </a:r>
+            <a:endParaRPr lang="ko-KR" altLang="en-US" dirty="0"/>
+          </a:p>
+        </p:txBody>
+      </p:sp>
+      <p:pic>
+        <p:nvPicPr>
+          <p:cNvPr id="7" name="그림 6">
+            <a:extLst>
+              <a:ext uri="{FF2B5EF4-FFF2-40B4-BE49-F238E27FC236}">
+                <a16:creationId xmlns:a16="http://schemas.microsoft.com/office/drawing/2014/main" id="{50BB97AB-1A86-4C49-8101-6D0DDDE190EC}"/>
+              </a:ext>
+            </a:extLst>
+          </p:cNvPr>
+          <p:cNvPicPr>
+            <a:picLocks noChangeAspect="1"/>
+          </p:cNvPicPr>
+          <p:nvPr/>
+        </p:nvPicPr>
+        <p:blipFill>
+          <a:blip r:embed="rId2">
+            <a:extLst>
+              <a:ext uri="{28A0092B-C50C-407E-A947-70E740481C1C}">
+                <a14:useLocalDpi xmlns:a14="http://schemas.microsoft.com/office/drawing/2010/main" val="0"/>
+              </a:ext>
+            </a:extLst>
+          </a:blip>
+          <a:stretch>
+            <a:fillRect/>
+          </a:stretch>
+        </p:blipFill>
+        <p:spPr>
+          <a:xfrm>
+            <a:off x="155173" y="2107319"/>
+            <a:ext cx="9848675" cy="1810027"/>
+          </a:xfrm>
+          <a:prstGeom prst="rect">
+            <a:avLst/>
+          </a:prstGeom>
+        </p:spPr>
+      </p:pic>
+    </p:spTree>
+    <p:extLst>
+      <p:ext uri="{BB962C8B-B14F-4D97-AF65-F5344CB8AC3E}">
+        <p14:creationId xmlns:p14="http://schemas.microsoft.com/office/powerpoint/2010/main" val="3528136948"/>
       </p:ext>
     </p:extLst>
   </p:cSld>

--- a/document/webpack.pptx
+++ b/document/webpack.pptx
@@ -18,6 +18,9 @@
     <p:sldId id="266" r:id="rId12"/>
     <p:sldId id="267" r:id="rId13"/>
     <p:sldId id="268" r:id="rId14"/>
+    <p:sldId id="269" r:id="rId15"/>
+    <p:sldId id="270" r:id="rId16"/>
+    <p:sldId id="271" r:id="rId17"/>
   </p:sldIdLst>
   <p:sldSz cx="12192000" cy="6858000"/>
   <p:notesSz cx="6858000" cy="9144000"/>
@@ -271,7 +274,7 @@
           <a:p>
             <a:fld id="{02B78E00-213A-4E88-BF87-34488D6A2990}" type="datetimeFigureOut">
               <a:rPr lang="ko-KR" altLang="en-US" smtClean="0"/>
-              <a:t>2018-12-18</a:t>
+              <a:t>2019-01-07</a:t>
             </a:fld>
             <a:endParaRPr lang="ko-KR" altLang="en-US"/>
           </a:p>
@@ -469,7 +472,7 @@
           <a:p>
             <a:fld id="{02B78E00-213A-4E88-BF87-34488D6A2990}" type="datetimeFigureOut">
               <a:rPr lang="ko-KR" altLang="en-US" smtClean="0"/>
-              <a:t>2018-12-18</a:t>
+              <a:t>2019-01-07</a:t>
             </a:fld>
             <a:endParaRPr lang="ko-KR" altLang="en-US"/>
           </a:p>
@@ -677,7 +680,7 @@
           <a:p>
             <a:fld id="{02B78E00-213A-4E88-BF87-34488D6A2990}" type="datetimeFigureOut">
               <a:rPr lang="ko-KR" altLang="en-US" smtClean="0"/>
-              <a:t>2018-12-18</a:t>
+              <a:t>2019-01-07</a:t>
             </a:fld>
             <a:endParaRPr lang="ko-KR" altLang="en-US"/>
           </a:p>
@@ -903,7 +906,7 @@
           <a:p>
             <a:fld id="{02B78E00-213A-4E88-BF87-34488D6A2990}" type="datetimeFigureOut">
               <a:rPr lang="ko-KR" altLang="en-US" smtClean="0"/>
-              <a:t>2018-12-18</a:t>
+              <a:t>2019-01-07</a:t>
             </a:fld>
             <a:endParaRPr lang="ko-KR" altLang="en-US"/>
           </a:p>
@@ -1178,7 +1181,7 @@
           <a:p>
             <a:fld id="{02B78E00-213A-4E88-BF87-34488D6A2990}" type="datetimeFigureOut">
               <a:rPr lang="ko-KR" altLang="en-US" smtClean="0"/>
-              <a:t>2018-12-18</a:t>
+              <a:t>2019-01-07</a:t>
             </a:fld>
             <a:endParaRPr lang="ko-KR" altLang="en-US"/>
           </a:p>
@@ -1443,7 +1446,7 @@
           <a:p>
             <a:fld id="{02B78E00-213A-4E88-BF87-34488D6A2990}" type="datetimeFigureOut">
               <a:rPr lang="ko-KR" altLang="en-US" smtClean="0"/>
-              <a:t>2018-12-18</a:t>
+              <a:t>2019-01-07</a:t>
             </a:fld>
             <a:endParaRPr lang="ko-KR" altLang="en-US"/>
           </a:p>
@@ -1855,7 +1858,7 @@
           <a:p>
             <a:fld id="{02B78E00-213A-4E88-BF87-34488D6A2990}" type="datetimeFigureOut">
               <a:rPr lang="ko-KR" altLang="en-US" smtClean="0"/>
-              <a:t>2018-12-18</a:t>
+              <a:t>2019-01-07</a:t>
             </a:fld>
             <a:endParaRPr lang="ko-KR" altLang="en-US"/>
           </a:p>
@@ -1996,7 +1999,7 @@
           <a:p>
             <a:fld id="{02B78E00-213A-4E88-BF87-34488D6A2990}" type="datetimeFigureOut">
               <a:rPr lang="ko-KR" altLang="en-US" smtClean="0"/>
-              <a:t>2018-12-18</a:t>
+              <a:t>2019-01-07</a:t>
             </a:fld>
             <a:endParaRPr lang="ko-KR" altLang="en-US"/>
           </a:p>
@@ -2109,7 +2112,7 @@
           <a:p>
             <a:fld id="{02B78E00-213A-4E88-BF87-34488D6A2990}" type="datetimeFigureOut">
               <a:rPr lang="ko-KR" altLang="en-US" smtClean="0"/>
-              <a:t>2018-12-18</a:t>
+              <a:t>2019-01-07</a:t>
             </a:fld>
             <a:endParaRPr lang="ko-KR" altLang="en-US"/>
           </a:p>
@@ -2420,7 +2423,7 @@
           <a:p>
             <a:fld id="{02B78E00-213A-4E88-BF87-34488D6A2990}" type="datetimeFigureOut">
               <a:rPr lang="ko-KR" altLang="en-US" smtClean="0"/>
-              <a:t>2018-12-18</a:t>
+              <a:t>2019-01-07</a:t>
             </a:fld>
             <a:endParaRPr lang="ko-KR" altLang="en-US"/>
           </a:p>
@@ -2708,7 +2711,7 @@
           <a:p>
             <a:fld id="{02B78E00-213A-4E88-BF87-34488D6A2990}" type="datetimeFigureOut">
               <a:rPr lang="ko-KR" altLang="en-US" smtClean="0"/>
-              <a:t>2018-12-18</a:t>
+              <a:t>2019-01-07</a:t>
             </a:fld>
             <a:endParaRPr lang="ko-KR" altLang="en-US"/>
           </a:p>
@@ -2949,7 +2952,7 @@
           <a:p>
             <a:fld id="{02B78E00-213A-4E88-BF87-34488D6A2990}" type="datetimeFigureOut">
               <a:rPr lang="ko-KR" altLang="en-US" smtClean="0"/>
-              <a:t>2018-12-18</a:t>
+              <a:t>2019-01-07</a:t>
             </a:fld>
             <a:endParaRPr lang="ko-KR" altLang="en-US"/>
           </a:p>
@@ -4169,6 +4172,511 @@
     <p:extLst>
       <p:ext uri="{BB962C8B-B14F-4D97-AF65-F5344CB8AC3E}">
         <p14:creationId xmlns:p14="http://schemas.microsoft.com/office/powerpoint/2010/main" val="2511514058"/>
+      </p:ext>
+    </p:extLst>
+  </p:cSld>
+  <p:clrMapOvr>
+    <a:masterClrMapping/>
+  </p:clrMapOvr>
+</p:sld>
+</file>
+
+<file path=ppt/slides/slide14.xml><?xml version="1.0" encoding="utf-8"?>
+<p:sld xmlns:a="http://schemas.openxmlformats.org/drawingml/2006/main" xmlns:r="http://schemas.openxmlformats.org/officeDocument/2006/relationships" xmlns:p="http://schemas.openxmlformats.org/presentationml/2006/main">
+  <p:cSld>
+    <p:spTree>
+      <p:nvGrpSpPr>
+        <p:cNvPr id="1" name=""/>
+        <p:cNvGrpSpPr/>
+        <p:nvPr/>
+      </p:nvGrpSpPr>
+      <p:grpSpPr>
+        <a:xfrm>
+          <a:off x="0" y="0"/>
+          <a:ext cx="0" cy="0"/>
+          <a:chOff x="0" y="0"/>
+          <a:chExt cx="0" cy="0"/>
+        </a:xfrm>
+      </p:grpSpPr>
+      <p:sp>
+        <p:nvSpPr>
+          <p:cNvPr id="2" name="제목 1">
+            <a:extLst>
+              <a:ext uri="{FF2B5EF4-FFF2-40B4-BE49-F238E27FC236}">
+                <a16:creationId xmlns:a16="http://schemas.microsoft.com/office/drawing/2014/main" id="{3E01F859-C05C-48E7-ACFE-2BB214FC1CE2}"/>
+              </a:ext>
+            </a:extLst>
+          </p:cNvPr>
+          <p:cNvSpPr>
+            <a:spLocks noGrp="1"/>
+          </p:cNvSpPr>
+          <p:nvPr>
+            <p:ph type="title"/>
+          </p:nvPr>
+        </p:nvSpPr>
+        <p:spPr/>
+        <p:txBody>
+          <a:bodyPr/>
+          <a:lstStyle/>
+          <a:p>
+            <a:r>
+              <a:rPr lang="en-US" altLang="ko-KR" dirty="0"/>
+              <a:t>8-2) Babel</a:t>
+            </a:r>
+            <a:r>
+              <a:rPr lang="ko-KR" altLang="en-US" dirty="0"/>
+              <a:t> </a:t>
+            </a:r>
+            <a:r>
+              <a:rPr lang="en-US" altLang="ko-KR" dirty="0"/>
+              <a:t>Loader</a:t>
+            </a:r>
+            <a:r>
+              <a:rPr lang="ko-KR" altLang="en-US" dirty="0"/>
+              <a:t> </a:t>
+            </a:r>
+            <a:r>
+              <a:rPr lang="en-US" altLang="ko-KR" dirty="0"/>
+              <a:t>–</a:t>
+            </a:r>
+            <a:r>
+              <a:rPr lang="ko-KR" altLang="en-US" dirty="0"/>
+              <a:t> </a:t>
+            </a:r>
+            <a:r>
+              <a:rPr lang="en-US" altLang="ko-KR" dirty="0"/>
+              <a:t>ES</a:t>
+            </a:r>
+            <a:r>
+              <a:rPr lang="ko-KR" altLang="en-US" dirty="0"/>
+              <a:t> </a:t>
+            </a:r>
+            <a:r>
+              <a:rPr lang="en-US" altLang="ko-KR" dirty="0"/>
+              <a:t>6</a:t>
+            </a:r>
+            <a:endParaRPr lang="ko-KR" altLang="en-US" dirty="0"/>
+          </a:p>
+        </p:txBody>
+      </p:sp>
+      <p:sp>
+        <p:nvSpPr>
+          <p:cNvPr id="3" name="내용 개체 틀 2">
+            <a:extLst>
+              <a:ext uri="{FF2B5EF4-FFF2-40B4-BE49-F238E27FC236}">
+                <a16:creationId xmlns:a16="http://schemas.microsoft.com/office/drawing/2014/main" id="{A8019115-C98D-45B0-B0B3-DF3391186FB6}"/>
+              </a:ext>
+            </a:extLst>
+          </p:cNvPr>
+          <p:cNvSpPr>
+            <a:spLocks noGrp="1"/>
+          </p:cNvSpPr>
+          <p:nvPr>
+            <p:ph idx="1"/>
+          </p:nvPr>
+        </p:nvSpPr>
+        <p:spPr/>
+        <p:txBody>
+          <a:bodyPr/>
+          <a:lstStyle/>
+          <a:p>
+            <a:r>
+              <a:rPr lang="en-US" altLang="ko-KR" dirty="0"/>
+              <a:t>preset : Babel </a:t>
+            </a:r>
+            <a:r>
+              <a:rPr lang="ko-KR" altLang="en-US" dirty="0"/>
+              <a:t>플러그인 리스트</a:t>
+            </a:r>
+          </a:p>
+        </p:txBody>
+      </p:sp>
+      <p:pic>
+        <p:nvPicPr>
+          <p:cNvPr id="5" name="그림 4">
+            <a:extLst>
+              <a:ext uri="{FF2B5EF4-FFF2-40B4-BE49-F238E27FC236}">
+                <a16:creationId xmlns:a16="http://schemas.microsoft.com/office/drawing/2014/main" id="{E507ED1B-A105-407F-A52D-26040F4E4139}"/>
+              </a:ext>
+            </a:extLst>
+          </p:cNvPr>
+          <p:cNvPicPr>
+            <a:picLocks noChangeAspect="1"/>
+          </p:cNvPicPr>
+          <p:nvPr/>
+        </p:nvPicPr>
+        <p:blipFill>
+          <a:blip r:embed="rId2">
+            <a:clrChange>
+              <a:clrFrom>
+                <a:srgbClr val="F7F5F7"/>
+              </a:clrFrom>
+              <a:clrTo>
+                <a:srgbClr val="F7F5F7">
+                  <a:alpha val="0"/>
+                </a:srgbClr>
+              </a:clrTo>
+            </a:clrChange>
+            <a:extLst>
+              <a:ext uri="{28A0092B-C50C-407E-A947-70E740481C1C}">
+                <a14:useLocalDpi xmlns:a14="http://schemas.microsoft.com/office/drawing/2010/main" val="0"/>
+              </a:ext>
+            </a:extLst>
+          </a:blip>
+          <a:stretch>
+            <a:fillRect/>
+          </a:stretch>
+        </p:blipFill>
+        <p:spPr>
+          <a:xfrm>
+            <a:off x="274034" y="1426103"/>
+            <a:ext cx="8221222" cy="4429743"/>
+          </a:xfrm>
+          <a:prstGeom prst="rect">
+            <a:avLst/>
+          </a:prstGeom>
+        </p:spPr>
+      </p:pic>
+    </p:spTree>
+    <p:extLst>
+      <p:ext uri="{BB962C8B-B14F-4D97-AF65-F5344CB8AC3E}">
+        <p14:creationId xmlns:p14="http://schemas.microsoft.com/office/powerpoint/2010/main" val="956198177"/>
+      </p:ext>
+    </p:extLst>
+  </p:cSld>
+  <p:clrMapOvr>
+    <a:masterClrMapping/>
+  </p:clrMapOvr>
+</p:sld>
+</file>
+
+<file path=ppt/slides/slide15.xml><?xml version="1.0" encoding="utf-8"?>
+<p:sld xmlns:a="http://schemas.openxmlformats.org/drawingml/2006/main" xmlns:r="http://schemas.openxmlformats.org/officeDocument/2006/relationships" xmlns:p="http://schemas.openxmlformats.org/presentationml/2006/main">
+  <p:cSld>
+    <p:spTree>
+      <p:nvGrpSpPr>
+        <p:cNvPr id="1" name=""/>
+        <p:cNvGrpSpPr/>
+        <p:nvPr/>
+      </p:nvGrpSpPr>
+      <p:grpSpPr>
+        <a:xfrm>
+          <a:off x="0" y="0"/>
+          <a:ext cx="0" cy="0"/>
+          <a:chOff x="0" y="0"/>
+          <a:chExt cx="0" cy="0"/>
+        </a:xfrm>
+      </p:grpSpPr>
+      <p:sp>
+        <p:nvSpPr>
+          <p:cNvPr id="2" name="제목 1">
+            <a:extLst>
+              <a:ext uri="{FF2B5EF4-FFF2-40B4-BE49-F238E27FC236}">
+                <a16:creationId xmlns:a16="http://schemas.microsoft.com/office/drawing/2014/main" id="{D3B9E0AD-2DAE-4C7F-8241-023C44AB4CCC}"/>
+              </a:ext>
+            </a:extLst>
+          </p:cNvPr>
+          <p:cNvSpPr>
+            <a:spLocks noGrp="1"/>
+          </p:cNvSpPr>
+          <p:nvPr>
+            <p:ph type="title"/>
+          </p:nvPr>
+        </p:nvSpPr>
+        <p:spPr/>
+        <p:txBody>
+          <a:bodyPr/>
+          <a:lstStyle/>
+          <a:p>
+            <a:r>
+              <a:rPr lang="en-US" altLang="ko-KR" dirty="0"/>
+              <a:t>8-3) Loader</a:t>
+            </a:r>
+            <a:r>
+              <a:rPr lang="ko-KR" altLang="en-US" dirty="0"/>
+              <a:t> 실습 </a:t>
+            </a:r>
+            <a:r>
+              <a:rPr lang="en-US" altLang="ko-KR" dirty="0"/>
+              <a:t>1</a:t>
+            </a:r>
+            <a:endParaRPr lang="ko-KR" altLang="en-US" dirty="0"/>
+          </a:p>
+        </p:txBody>
+      </p:sp>
+      <p:sp>
+        <p:nvSpPr>
+          <p:cNvPr id="3" name="내용 개체 틀 2">
+            <a:extLst>
+              <a:ext uri="{FF2B5EF4-FFF2-40B4-BE49-F238E27FC236}">
+                <a16:creationId xmlns:a16="http://schemas.microsoft.com/office/drawing/2014/main" id="{1B23C822-EF52-499E-9736-416C2D95BAC7}"/>
+              </a:ext>
+            </a:extLst>
+          </p:cNvPr>
+          <p:cNvSpPr>
+            <a:spLocks noGrp="1"/>
+          </p:cNvSpPr>
+          <p:nvPr>
+            <p:ph idx="1"/>
+          </p:nvPr>
+        </p:nvSpPr>
+        <p:spPr/>
+        <p:txBody>
+          <a:bodyPr/>
+          <a:lstStyle/>
+          <a:p>
+            <a:r>
+              <a:rPr lang="en-US" altLang="ko-KR" dirty="0"/>
+              <a:t>CSS Code Splitting 1 – Bundling libraries</a:t>
+            </a:r>
+          </a:p>
+          <a:p>
+            <a:r>
+              <a:rPr lang="ko-KR" altLang="en-US" dirty="0"/>
+              <a:t>실습 절차</a:t>
+            </a:r>
+            <a:endParaRPr lang="en-US" altLang="ko-KR" dirty="0"/>
+          </a:p>
+          <a:p>
+            <a:pPr lvl="1"/>
+            <a:r>
+              <a:rPr lang="en-US" altLang="ko-KR" dirty="0" err="1"/>
+              <a:t>npm</a:t>
+            </a:r>
+            <a:r>
+              <a:rPr lang="en-US" altLang="ko-KR" dirty="0"/>
+              <a:t> </a:t>
+            </a:r>
+            <a:r>
+              <a:rPr lang="en-US" altLang="ko-KR" dirty="0" err="1"/>
+              <a:t>init</a:t>
+            </a:r>
+            <a:r>
+              <a:rPr lang="en-US" altLang="ko-KR" dirty="0"/>
+              <a:t> –y </a:t>
+            </a:r>
+            <a:r>
+              <a:rPr lang="ko-KR" altLang="en-US" dirty="0"/>
+              <a:t>으로 </a:t>
+            </a:r>
+            <a:r>
+              <a:rPr lang="en-US" altLang="ko-KR" dirty="0" err="1"/>
+              <a:t>package.json</a:t>
+            </a:r>
+            <a:r>
+              <a:rPr lang="en-US" altLang="ko-KR" dirty="0"/>
+              <a:t> </a:t>
+            </a:r>
+            <a:r>
+              <a:rPr lang="ko-KR" altLang="en-US" dirty="0"/>
+              <a:t>생성</a:t>
+            </a:r>
+            <a:endParaRPr lang="en-US" altLang="ko-KR" dirty="0"/>
+          </a:p>
+          <a:p>
+            <a:pPr lvl="1"/>
+            <a:r>
+              <a:rPr lang="en-US" altLang="ko-KR" dirty="0" err="1"/>
+              <a:t>npm</a:t>
+            </a:r>
+            <a:r>
+              <a:rPr lang="en-US" altLang="ko-KR" dirty="0"/>
+              <a:t> </a:t>
+            </a:r>
+            <a:r>
+              <a:rPr lang="ko-KR" altLang="en-US" dirty="0"/>
+              <a:t>명령어로 </a:t>
+            </a:r>
+            <a:r>
+              <a:rPr lang="en-US" altLang="ko-KR" dirty="0"/>
+              <a:t>loader, plugin </a:t>
+            </a:r>
+            <a:r>
+              <a:rPr lang="ko-KR" altLang="en-US" dirty="0"/>
+              <a:t>설치</a:t>
+            </a:r>
+            <a:endParaRPr lang="en-US" altLang="ko-KR" dirty="0"/>
+          </a:p>
+          <a:p>
+            <a:pPr lvl="1"/>
+            <a:r>
+              <a:rPr lang="en-US" altLang="ko-KR" dirty="0"/>
+              <a:t>index.html, app/index.js, base.css </a:t>
+            </a:r>
+            <a:r>
+              <a:rPr lang="ko-KR" altLang="en-US" dirty="0"/>
+              <a:t>생성</a:t>
+            </a:r>
+            <a:endParaRPr lang="en-US" altLang="ko-KR" dirty="0"/>
+          </a:p>
+          <a:p>
+            <a:pPr lvl="1"/>
+            <a:r>
+              <a:rPr lang="en-US" altLang="ko-KR" dirty="0"/>
+              <a:t>webpack.config.js </a:t>
+            </a:r>
+            <a:r>
+              <a:rPr lang="ko-KR" altLang="en-US" dirty="0"/>
+              <a:t>설정</a:t>
+            </a:r>
+            <a:endParaRPr lang="en-US" altLang="ko-KR" dirty="0"/>
+          </a:p>
+          <a:p>
+            <a:pPr lvl="1"/>
+            <a:r>
+              <a:rPr lang="en-US" altLang="ko-KR" dirty="0"/>
+              <a:t>webpack </a:t>
+            </a:r>
+            <a:r>
+              <a:rPr lang="ko-KR" altLang="en-US" dirty="0"/>
+              <a:t>실행</a:t>
+            </a:r>
+            <a:endParaRPr lang="en-US" altLang="ko-KR" dirty="0"/>
+          </a:p>
+          <a:p>
+            <a:r>
+              <a:rPr lang="ko-KR" altLang="en-US" dirty="0"/>
+              <a:t>결과 </a:t>
+            </a:r>
+            <a:r>
+              <a:rPr lang="en-US" altLang="ko-KR" dirty="0"/>
+              <a:t>:</a:t>
+            </a:r>
+          </a:p>
+          <a:p>
+            <a:pPr lvl="1"/>
+            <a:r>
+              <a:rPr lang="en-US" altLang="ko-KR" dirty="0"/>
+              <a:t>style &gt; p </a:t>
+            </a:r>
+            <a:r>
+              <a:rPr lang="ko-KR" altLang="en-US" dirty="0"/>
+              <a:t>태그 </a:t>
+            </a:r>
+            <a:r>
+              <a:rPr lang="en-US" altLang="ko-KR" dirty="0"/>
+              <a:t>&gt; blue</a:t>
+            </a:r>
+          </a:p>
+          <a:p>
+            <a:r>
+              <a:rPr lang="ko-KR" altLang="en-US" dirty="0"/>
+              <a:t>경로 </a:t>
+            </a:r>
+            <a:r>
+              <a:rPr lang="en-US" altLang="ko-KR" dirty="0"/>
+              <a:t>: /lecture/02_example_01/</a:t>
+            </a:r>
+            <a:endParaRPr lang="ko-KR" altLang="en-US" dirty="0"/>
+          </a:p>
+        </p:txBody>
+      </p:sp>
+    </p:spTree>
+    <p:extLst>
+      <p:ext uri="{BB962C8B-B14F-4D97-AF65-F5344CB8AC3E}">
+        <p14:creationId xmlns:p14="http://schemas.microsoft.com/office/powerpoint/2010/main" val="1989837910"/>
+      </p:ext>
+    </p:extLst>
+  </p:cSld>
+  <p:clrMapOvr>
+    <a:masterClrMapping/>
+  </p:clrMapOvr>
+</p:sld>
+</file>
+
+<file path=ppt/slides/slide16.xml><?xml version="1.0" encoding="utf-8"?>
+<p:sld xmlns:a="http://schemas.openxmlformats.org/drawingml/2006/main" xmlns:r="http://schemas.openxmlformats.org/officeDocument/2006/relationships" xmlns:p="http://schemas.openxmlformats.org/presentationml/2006/main">
+  <p:cSld>
+    <p:spTree>
+      <p:nvGrpSpPr>
+        <p:cNvPr id="1" name=""/>
+        <p:cNvGrpSpPr/>
+        <p:nvPr/>
+      </p:nvGrpSpPr>
+      <p:grpSpPr>
+        <a:xfrm>
+          <a:off x="0" y="0"/>
+          <a:ext cx="0" cy="0"/>
+          <a:chOff x="0" y="0"/>
+          <a:chExt cx="0" cy="0"/>
+        </a:xfrm>
+      </p:grpSpPr>
+      <p:sp>
+        <p:nvSpPr>
+          <p:cNvPr id="2" name="제목 1">
+            <a:extLst>
+              <a:ext uri="{FF2B5EF4-FFF2-40B4-BE49-F238E27FC236}">
+                <a16:creationId xmlns:a16="http://schemas.microsoft.com/office/drawing/2014/main" id="{54D1A78B-2BDF-4CE4-B9E3-1DF6D560F513}"/>
+              </a:ext>
+            </a:extLst>
+          </p:cNvPr>
+          <p:cNvSpPr>
+            <a:spLocks noGrp="1"/>
+          </p:cNvSpPr>
+          <p:nvPr>
+            <p:ph type="title"/>
+          </p:nvPr>
+        </p:nvSpPr>
+        <p:spPr/>
+        <p:txBody>
+          <a:bodyPr/>
+          <a:lstStyle/>
+          <a:p>
+            <a:r>
+              <a:rPr lang="en-US" altLang="ko-KR" dirty="0"/>
+              <a:t>8-4) Loader </a:t>
+            </a:r>
+            <a:r>
+              <a:rPr lang="ko-KR" altLang="en-US" dirty="0"/>
+              <a:t>실습 </a:t>
+            </a:r>
+            <a:r>
+              <a:rPr lang="en-US" altLang="ko-KR" dirty="0"/>
+              <a:t>2</a:t>
+            </a:r>
+            <a:endParaRPr lang="ko-KR" altLang="en-US" dirty="0"/>
+          </a:p>
+        </p:txBody>
+      </p:sp>
+      <p:sp>
+        <p:nvSpPr>
+          <p:cNvPr id="3" name="내용 개체 틀 2">
+            <a:extLst>
+              <a:ext uri="{FF2B5EF4-FFF2-40B4-BE49-F238E27FC236}">
+                <a16:creationId xmlns:a16="http://schemas.microsoft.com/office/drawing/2014/main" id="{8310C18B-678D-4E57-A2F5-C4A79A0A5381}"/>
+              </a:ext>
+            </a:extLst>
+          </p:cNvPr>
+          <p:cNvSpPr>
+            <a:spLocks noGrp="1"/>
+          </p:cNvSpPr>
+          <p:nvPr>
+            <p:ph idx="1"/>
+          </p:nvPr>
+        </p:nvSpPr>
+        <p:spPr/>
+        <p:txBody>
+          <a:bodyPr/>
+          <a:lstStyle/>
+          <a:p>
+            <a:r>
+              <a:rPr lang="en-US" altLang="ko-KR" dirty="0"/>
+              <a:t>CSS Code Splitting 2 – Extract </a:t>
+            </a:r>
+            <a:r>
+              <a:rPr lang="en-US" altLang="ko-KR"/>
+              <a:t>Text Plugin</a:t>
+            </a:r>
+          </a:p>
+          <a:p>
+            <a:endParaRPr lang="ko-KR" altLang="en-US"/>
+          </a:p>
+        </p:txBody>
+      </p:sp>
+    </p:spTree>
+    <p:extLst>
+      <p:ext uri="{BB962C8B-B14F-4D97-AF65-F5344CB8AC3E}">
+        <p14:creationId xmlns:p14="http://schemas.microsoft.com/office/powerpoint/2010/main" val="2384821384"/>
       </p:ext>
     </p:extLst>
   </p:cSld>

--- a/document/webpack.pptx
+++ b/document/webpack.pptx
@@ -4559,6 +4559,42 @@
             </a:r>
           </a:p>
           <a:p>
+            <a:pPr lvl="1"/>
+            <a:r>
+              <a:rPr lang="en-US" altLang="ko-KR" dirty="0"/>
+              <a:t>* HTML head</a:t>
+            </a:r>
+            <a:r>
+              <a:rPr lang="ko-KR" altLang="en-US" dirty="0"/>
+              <a:t>에 </a:t>
+            </a:r>
+            <a:r>
+              <a:rPr lang="en-US" altLang="ko-KR" dirty="0"/>
+              <a:t>style</a:t>
+            </a:r>
+            <a:r>
+              <a:rPr lang="ko-KR" altLang="en-US" dirty="0"/>
+              <a:t>가 생성되고</a:t>
+            </a:r>
+            <a:r>
+              <a:rPr lang="en-US" altLang="ko-KR" dirty="0"/>
+              <a:t>, </a:t>
+            </a:r>
+            <a:r>
+              <a:rPr lang="en-US" altLang="ko-KR" dirty="0" err="1"/>
+              <a:t>css</a:t>
+            </a:r>
+            <a:r>
+              <a:rPr lang="ko-KR" altLang="en-US" dirty="0"/>
+              <a:t>문이 그대로 </a:t>
+            </a:r>
+            <a:r>
+              <a:rPr lang="ko-KR" altLang="en-US" dirty="0" err="1"/>
+              <a:t>들어감</a:t>
+            </a:r>
+            <a:endParaRPr lang="en-US" altLang="ko-KR" dirty="0"/>
+          </a:p>
+          <a:p>
             <a:r>
               <a:rPr lang="ko-KR" altLang="en-US" dirty="0"/>
               <a:t>경로 </a:t>
@@ -4661,15 +4697,42 @@
           <a:p>
             <a:r>
               <a:rPr lang="en-US" altLang="ko-KR" dirty="0"/>
-              <a:t>CSS Code Splitting 2 – Extract </a:t>
+              <a:t>CSS Code Splitting 2 – Extract Text Plugin</a:t>
+            </a:r>
+          </a:p>
+          <a:p>
+            <a:r>
+              <a:rPr lang="en-US" altLang="ko-KR" dirty="0"/>
+              <a:t>Extract Text Plugin</a:t>
+            </a:r>
+            <a:r>
+              <a:rPr lang="ko-KR" altLang="en-US" dirty="0"/>
+              <a:t>을 사용하면 </a:t>
+            </a:r>
+            <a:r>
+              <a:rPr lang="en-US" altLang="ko-KR" dirty="0"/>
+              <a:t>.</a:t>
+            </a:r>
+            <a:r>
+              <a:rPr lang="en-US" altLang="ko-KR" dirty="0" err="1"/>
+              <a:t>css</a:t>
+            </a:r>
+            <a:r>
+              <a:rPr lang="ko-KR" altLang="en-US" dirty="0"/>
+              <a:t>를 파일로 분리할 수 있음</a:t>
+            </a:r>
+            <a:endParaRPr lang="en-US" altLang="ko-KR" dirty="0"/>
+          </a:p>
+          <a:p>
+            <a:r>
+              <a:rPr lang="ko-KR" altLang="en-US" dirty="0"/>
+              <a:t>경로 </a:t>
             </a:r>
             <a:r>
               <a:rPr lang="en-US" altLang="ko-KR"/>
-              <a:t>Text Plugin</a:t>
-            </a:r>
-          </a:p>
-          <a:p>
-            <a:endParaRPr lang="ko-KR" altLang="en-US"/>
+              <a:t>: /lecture/03_example_02/</a:t>
+            </a:r>
+            <a:endParaRPr lang="ko-KR" altLang="en-US" dirty="0"/>
           </a:p>
         </p:txBody>
       </p:sp>

--- a/document/webpack.pptx
+++ b/document/webpack.pptx
@@ -21,6 +21,10 @@
     <p:sldId id="269" r:id="rId15"/>
     <p:sldId id="270" r:id="rId16"/>
     <p:sldId id="271" r:id="rId17"/>
+    <p:sldId id="272" r:id="rId18"/>
+    <p:sldId id="273" r:id="rId19"/>
+    <p:sldId id="274" r:id="rId20"/>
+    <p:sldId id="275" r:id="rId21"/>
   </p:sldIdLst>
   <p:sldSz cx="12192000" cy="6858000"/>
   <p:notesSz cx="6858000" cy="9144000"/>
@@ -274,7 +278,7 @@
           <a:p>
             <a:fld id="{02B78E00-213A-4E88-BF87-34488D6A2990}" type="datetimeFigureOut">
               <a:rPr lang="ko-KR" altLang="en-US" smtClean="0"/>
-              <a:t>2019-01-07</a:t>
+              <a:t>2019-01-13</a:t>
             </a:fld>
             <a:endParaRPr lang="ko-KR" altLang="en-US"/>
           </a:p>
@@ -472,7 +476,7 @@
           <a:p>
             <a:fld id="{02B78E00-213A-4E88-BF87-34488D6A2990}" type="datetimeFigureOut">
               <a:rPr lang="ko-KR" altLang="en-US" smtClean="0"/>
-              <a:t>2019-01-07</a:t>
+              <a:t>2019-01-13</a:t>
             </a:fld>
             <a:endParaRPr lang="ko-KR" altLang="en-US"/>
           </a:p>
@@ -680,7 +684,7 @@
           <a:p>
             <a:fld id="{02B78E00-213A-4E88-BF87-34488D6A2990}" type="datetimeFigureOut">
               <a:rPr lang="ko-KR" altLang="en-US" smtClean="0"/>
-              <a:t>2019-01-07</a:t>
+              <a:t>2019-01-13</a:t>
             </a:fld>
             <a:endParaRPr lang="ko-KR" altLang="en-US"/>
           </a:p>
@@ -906,7 +910,7 @@
           <a:p>
             <a:fld id="{02B78E00-213A-4E88-BF87-34488D6A2990}" type="datetimeFigureOut">
               <a:rPr lang="ko-KR" altLang="en-US" smtClean="0"/>
-              <a:t>2019-01-07</a:t>
+              <a:t>2019-01-13</a:t>
             </a:fld>
             <a:endParaRPr lang="ko-KR" altLang="en-US"/>
           </a:p>
@@ -1181,7 +1185,7 @@
           <a:p>
             <a:fld id="{02B78E00-213A-4E88-BF87-34488D6A2990}" type="datetimeFigureOut">
               <a:rPr lang="ko-KR" altLang="en-US" smtClean="0"/>
-              <a:t>2019-01-07</a:t>
+              <a:t>2019-01-13</a:t>
             </a:fld>
             <a:endParaRPr lang="ko-KR" altLang="en-US"/>
           </a:p>
@@ -1446,7 +1450,7 @@
           <a:p>
             <a:fld id="{02B78E00-213A-4E88-BF87-34488D6A2990}" type="datetimeFigureOut">
               <a:rPr lang="ko-KR" altLang="en-US" smtClean="0"/>
-              <a:t>2019-01-07</a:t>
+              <a:t>2019-01-13</a:t>
             </a:fld>
             <a:endParaRPr lang="ko-KR" altLang="en-US"/>
           </a:p>
@@ -1858,7 +1862,7 @@
           <a:p>
             <a:fld id="{02B78E00-213A-4E88-BF87-34488D6A2990}" type="datetimeFigureOut">
               <a:rPr lang="ko-KR" altLang="en-US" smtClean="0"/>
-              <a:t>2019-01-07</a:t>
+              <a:t>2019-01-13</a:t>
             </a:fld>
             <a:endParaRPr lang="ko-KR" altLang="en-US"/>
           </a:p>
@@ -1999,7 +2003,7 @@
           <a:p>
             <a:fld id="{02B78E00-213A-4E88-BF87-34488D6A2990}" type="datetimeFigureOut">
               <a:rPr lang="ko-KR" altLang="en-US" smtClean="0"/>
-              <a:t>2019-01-07</a:t>
+              <a:t>2019-01-13</a:t>
             </a:fld>
             <a:endParaRPr lang="ko-KR" altLang="en-US"/>
           </a:p>
@@ -2112,7 +2116,7 @@
           <a:p>
             <a:fld id="{02B78E00-213A-4E88-BF87-34488D6A2990}" type="datetimeFigureOut">
               <a:rPr lang="ko-KR" altLang="en-US" smtClean="0"/>
-              <a:t>2019-01-07</a:t>
+              <a:t>2019-01-13</a:t>
             </a:fld>
             <a:endParaRPr lang="ko-KR" altLang="en-US"/>
           </a:p>
@@ -2423,7 +2427,7 @@
           <a:p>
             <a:fld id="{02B78E00-213A-4E88-BF87-34488D6A2990}" type="datetimeFigureOut">
               <a:rPr lang="ko-KR" altLang="en-US" smtClean="0"/>
-              <a:t>2019-01-07</a:t>
+              <a:t>2019-01-13</a:t>
             </a:fld>
             <a:endParaRPr lang="ko-KR" altLang="en-US"/>
           </a:p>
@@ -2711,7 +2715,7 @@
           <a:p>
             <a:fld id="{02B78E00-213A-4E88-BF87-34488D6A2990}" type="datetimeFigureOut">
               <a:rPr lang="ko-KR" altLang="en-US" smtClean="0"/>
-              <a:t>2019-01-07</a:t>
+              <a:t>2019-01-13</a:t>
             </a:fld>
             <a:endParaRPr lang="ko-KR" altLang="en-US"/>
           </a:p>
@@ -2952,7 +2956,7 @@
           <a:p>
             <a:fld id="{02B78E00-213A-4E88-BF87-34488D6A2990}" type="datetimeFigureOut">
               <a:rPr lang="ko-KR" altLang="en-US" smtClean="0"/>
-              <a:t>2019-01-07</a:t>
+              <a:t>2019-01-13</a:t>
             </a:fld>
             <a:endParaRPr lang="ko-KR" altLang="en-US"/>
           </a:p>
@@ -4729,7 +4733,7 @@
               <a:t>경로 </a:t>
             </a:r>
             <a:r>
-              <a:rPr lang="en-US" altLang="ko-KR"/>
+              <a:rPr lang="en-US" altLang="ko-KR" dirty="0"/>
               <a:t>: /lecture/03_example_02/</a:t>
             </a:r>
             <a:endParaRPr lang="ko-KR" altLang="en-US" dirty="0"/>
@@ -4740,6 +4744,1206 @@
     <p:extLst>
       <p:ext uri="{BB962C8B-B14F-4D97-AF65-F5344CB8AC3E}">
         <p14:creationId xmlns:p14="http://schemas.microsoft.com/office/powerpoint/2010/main" val="2384821384"/>
+      </p:ext>
+    </p:extLst>
+  </p:cSld>
+  <p:clrMapOvr>
+    <a:masterClrMapping/>
+  </p:clrMapOvr>
+</p:sld>
+</file>
+
+<file path=ppt/slides/slide17.xml><?xml version="1.0" encoding="utf-8"?>
+<p:sld xmlns:a="http://schemas.openxmlformats.org/drawingml/2006/main" xmlns:r="http://schemas.openxmlformats.org/officeDocument/2006/relationships" xmlns:p="http://schemas.openxmlformats.org/presentationml/2006/main">
+  <p:cSld>
+    <p:spTree>
+      <p:nvGrpSpPr>
+        <p:cNvPr id="1" name=""/>
+        <p:cNvGrpSpPr/>
+        <p:nvPr/>
+      </p:nvGrpSpPr>
+      <p:grpSpPr>
+        <a:xfrm>
+          <a:off x="0" y="0"/>
+          <a:ext cx="0" cy="0"/>
+          <a:chOff x="0" y="0"/>
+          <a:chExt cx="0" cy="0"/>
+        </a:xfrm>
+      </p:grpSpPr>
+      <p:sp>
+        <p:nvSpPr>
+          <p:cNvPr id="2" name="제목 1">
+            <a:extLst>
+              <a:ext uri="{FF2B5EF4-FFF2-40B4-BE49-F238E27FC236}">
+                <a16:creationId xmlns:a16="http://schemas.microsoft.com/office/drawing/2014/main" id="{ACA04B5D-6761-48FE-AF2F-80AFF4D45C8D}"/>
+              </a:ext>
+            </a:extLst>
+          </p:cNvPr>
+          <p:cNvSpPr>
+            <a:spLocks noGrp="1"/>
+          </p:cNvSpPr>
+          <p:nvPr>
+            <p:ph type="title"/>
+          </p:nvPr>
+        </p:nvSpPr>
+        <p:spPr/>
+        <p:txBody>
+          <a:bodyPr/>
+          <a:lstStyle/>
+          <a:p>
+            <a:r>
+              <a:rPr lang="en-US" altLang="ko-KR" dirty="0"/>
+              <a:t>9-1) Webpack Plugins</a:t>
+            </a:r>
+            <a:endParaRPr lang="ko-KR" altLang="en-US" dirty="0"/>
+          </a:p>
+        </p:txBody>
+      </p:sp>
+      <p:sp>
+        <p:nvSpPr>
+          <p:cNvPr id="3" name="내용 개체 틀 2">
+            <a:extLst>
+              <a:ext uri="{FF2B5EF4-FFF2-40B4-BE49-F238E27FC236}">
+                <a16:creationId xmlns:a16="http://schemas.microsoft.com/office/drawing/2014/main" id="{0EF0B658-AF39-4507-81C4-F66D2354236F}"/>
+              </a:ext>
+            </a:extLst>
+          </p:cNvPr>
+          <p:cNvSpPr>
+            <a:spLocks noGrp="1"/>
+          </p:cNvSpPr>
+          <p:nvPr>
+            <p:ph idx="1"/>
+          </p:nvPr>
+        </p:nvSpPr>
+        <p:spPr>
+          <a:xfrm>
+            <a:off x="148243" y="1047405"/>
+            <a:ext cx="11888584" cy="689116"/>
+          </a:xfrm>
+        </p:spPr>
+        <p:txBody>
+          <a:bodyPr/>
+          <a:lstStyle/>
+          <a:p>
+            <a:r>
+              <a:rPr lang="ko-KR" altLang="en-US" dirty="0"/>
+              <a:t>플러그인은 </a:t>
+            </a:r>
+            <a:r>
+              <a:rPr lang="ko-KR" altLang="en-US" dirty="0" err="1"/>
+              <a:t>파일별</a:t>
+            </a:r>
+            <a:r>
+              <a:rPr lang="ko-KR" altLang="en-US" dirty="0"/>
+              <a:t> 커스텀 기능을 사용하기 위해서 사용한다</a:t>
+            </a:r>
+            <a:r>
+              <a:rPr lang="en-US" altLang="ko-KR" dirty="0"/>
+              <a:t>.</a:t>
+            </a:r>
+          </a:p>
+          <a:p>
+            <a:pPr lvl="1"/>
+            <a:r>
+              <a:rPr lang="en-US" altLang="ko-KR" dirty="0"/>
+              <a:t>Ex) JS minification, file extraction, alias(</a:t>
+            </a:r>
+            <a:r>
+              <a:rPr lang="ko-KR" altLang="en-US" dirty="0"/>
+              <a:t>별칭</a:t>
+            </a:r>
+            <a:r>
+              <a:rPr lang="en-US" altLang="ko-KR" dirty="0"/>
+              <a:t>)</a:t>
+            </a:r>
+            <a:endParaRPr lang="ko-KR" altLang="en-US" dirty="0"/>
+          </a:p>
+        </p:txBody>
+      </p:sp>
+      <p:pic>
+        <p:nvPicPr>
+          <p:cNvPr id="5" name="그림 4">
+            <a:extLst>
+              <a:ext uri="{FF2B5EF4-FFF2-40B4-BE49-F238E27FC236}">
+                <a16:creationId xmlns:a16="http://schemas.microsoft.com/office/drawing/2014/main" id="{E89285CF-279B-4AC8-A824-005FC0AA7764}"/>
+              </a:ext>
+            </a:extLst>
+          </p:cNvPr>
+          <p:cNvPicPr>
+            <a:picLocks noChangeAspect="1"/>
+          </p:cNvPicPr>
+          <p:nvPr/>
+        </p:nvPicPr>
+        <p:blipFill>
+          <a:blip r:embed="rId2">
+            <a:clrChange>
+              <a:clrFrom>
+                <a:srgbClr val="F7F5F7"/>
+              </a:clrFrom>
+              <a:clrTo>
+                <a:srgbClr val="F7F5F7">
+                  <a:alpha val="0"/>
+                </a:srgbClr>
+              </a:clrTo>
+            </a:clrChange>
+            <a:extLst>
+              <a:ext uri="{28A0092B-C50C-407E-A947-70E740481C1C}">
+                <a14:useLocalDpi xmlns:a14="http://schemas.microsoft.com/office/drawing/2010/main" val="0"/>
+              </a:ext>
+            </a:extLst>
+          </a:blip>
+          <a:stretch>
+            <a:fillRect/>
+          </a:stretch>
+        </p:blipFill>
+        <p:spPr>
+          <a:xfrm>
+            <a:off x="155173" y="1736521"/>
+            <a:ext cx="7354326" cy="3124636"/>
+          </a:xfrm>
+          <a:prstGeom prst="rect">
+            <a:avLst/>
+          </a:prstGeom>
+        </p:spPr>
+      </p:pic>
+      <p:sp>
+        <p:nvSpPr>
+          <p:cNvPr id="6" name="내용 개체 틀 2">
+            <a:extLst>
+              <a:ext uri="{FF2B5EF4-FFF2-40B4-BE49-F238E27FC236}">
+                <a16:creationId xmlns:a16="http://schemas.microsoft.com/office/drawing/2014/main" id="{64EE9774-E204-494E-97D5-EA6D98049B5E}"/>
+              </a:ext>
+            </a:extLst>
+          </p:cNvPr>
+          <p:cNvSpPr txBox="1">
+            <a:spLocks/>
+          </p:cNvSpPr>
+          <p:nvPr/>
+        </p:nvSpPr>
+        <p:spPr>
+          <a:xfrm>
+            <a:off x="155173" y="5025185"/>
+            <a:ext cx="11888584" cy="689116"/>
+          </a:xfrm>
+          <a:prstGeom prst="rect">
+            <a:avLst/>
+          </a:prstGeom>
+        </p:spPr>
+        <p:txBody>
+          <a:bodyPr vert="horz" lIns="91440" tIns="45720" rIns="91440" bIns="45720" rtlCol="0">
+            <a:normAutofit/>
+          </a:bodyPr>
+          <a:lstStyle>
+            <a:lvl1pPr marL="342900" indent="-342900" algn="l" defTabSz="914400" rtl="0" eaLnBrk="1" latinLnBrk="1" hangingPunct="1">
+              <a:lnSpc>
+                <a:spcPct val="90000"/>
+              </a:lnSpc>
+              <a:spcBef>
+                <a:spcPts val="1000"/>
+              </a:spcBef>
+              <a:buFont typeface="+mj-lt"/>
+              <a:buAutoNum type="arabicPeriod"/>
+              <a:defRPr sz="1600" kern="1200">
+                <a:solidFill>
+                  <a:schemeClr val="tx1"/>
+                </a:solidFill>
+                <a:latin typeface="+mn-lt"/>
+                <a:ea typeface="+mn-ea"/>
+                <a:cs typeface="+mn-cs"/>
+              </a:defRPr>
+            </a:lvl1pPr>
+            <a:lvl2pPr marL="800100" indent="-342900" algn="l" defTabSz="914400" rtl="0" eaLnBrk="1" latinLnBrk="1" hangingPunct="1">
+              <a:lnSpc>
+                <a:spcPct val="90000"/>
+              </a:lnSpc>
+              <a:spcBef>
+                <a:spcPts val="500"/>
+              </a:spcBef>
+              <a:buFont typeface="Arial" panose="020B0604020202020204" pitchFamily="34" charset="0"/>
+              <a:buChar char="•"/>
+              <a:defRPr sz="1600" kern="1200">
+                <a:solidFill>
+                  <a:schemeClr val="tx1"/>
+                </a:solidFill>
+                <a:latin typeface="+mn-lt"/>
+                <a:ea typeface="+mn-ea"/>
+                <a:cs typeface="+mn-cs"/>
+              </a:defRPr>
+            </a:lvl2pPr>
+            <a:lvl3pPr marL="1257300" indent="-342900" algn="l" defTabSz="914400" rtl="0" eaLnBrk="1" latinLnBrk="1" hangingPunct="1">
+              <a:lnSpc>
+                <a:spcPct val="90000"/>
+              </a:lnSpc>
+              <a:spcBef>
+                <a:spcPts val="500"/>
+              </a:spcBef>
+              <a:buFont typeface="Wingdings" panose="05000000000000000000" pitchFamily="2" charset="2"/>
+              <a:buChar char="§"/>
+              <a:defRPr sz="1600" kern="1200">
+                <a:solidFill>
+                  <a:schemeClr val="tx1"/>
+                </a:solidFill>
+                <a:latin typeface="+mn-lt"/>
+                <a:ea typeface="+mn-ea"/>
+                <a:cs typeface="+mn-cs"/>
+              </a:defRPr>
+            </a:lvl3pPr>
+            <a:lvl4pPr marL="1714500" indent="-342900" algn="l" defTabSz="914400" rtl="0" eaLnBrk="1" latinLnBrk="1" hangingPunct="1">
+              <a:lnSpc>
+                <a:spcPct val="90000"/>
+              </a:lnSpc>
+              <a:spcBef>
+                <a:spcPts val="500"/>
+              </a:spcBef>
+              <a:buFont typeface="Wingdings" panose="05000000000000000000" pitchFamily="2" charset="2"/>
+              <a:buChar char="ü"/>
+              <a:defRPr sz="1600" kern="1200">
+                <a:solidFill>
+                  <a:schemeClr val="tx1"/>
+                </a:solidFill>
+                <a:latin typeface="+mn-lt"/>
+                <a:ea typeface="+mn-ea"/>
+                <a:cs typeface="+mn-cs"/>
+              </a:defRPr>
+            </a:lvl4pPr>
+            <a:lvl5pPr marL="2171700" indent="-342900" algn="l" defTabSz="914400" rtl="0" eaLnBrk="1" latinLnBrk="1" hangingPunct="1">
+              <a:lnSpc>
+                <a:spcPct val="90000"/>
+              </a:lnSpc>
+              <a:spcBef>
+                <a:spcPts val="500"/>
+              </a:spcBef>
+              <a:buFont typeface="Wingdings" panose="05000000000000000000" pitchFamily="2" charset="2"/>
+              <a:buChar char="Ø"/>
+              <a:defRPr sz="1600" kern="1200">
+                <a:solidFill>
+                  <a:schemeClr val="tx1"/>
+                </a:solidFill>
+                <a:latin typeface="+mn-lt"/>
+                <a:ea typeface="+mn-ea"/>
+                <a:cs typeface="+mn-cs"/>
+              </a:defRPr>
+            </a:lvl5pPr>
+            <a:lvl6pPr marL="2514600" indent="-228600" algn="l" defTabSz="914400" rtl="0" eaLnBrk="1" latinLnBrk="1" hangingPunct="1">
+              <a:lnSpc>
+                <a:spcPct val="90000"/>
+              </a:lnSpc>
+              <a:spcBef>
+                <a:spcPts val="500"/>
+              </a:spcBef>
+              <a:buFont typeface="Arial" panose="020B0604020202020204" pitchFamily="34" charset="0"/>
+              <a:buChar char="•"/>
+              <a:defRPr sz="1800" kern="1200">
+                <a:solidFill>
+                  <a:schemeClr val="tx1"/>
+                </a:solidFill>
+                <a:latin typeface="+mn-lt"/>
+                <a:ea typeface="+mn-ea"/>
+                <a:cs typeface="+mn-cs"/>
+              </a:defRPr>
+            </a:lvl6pPr>
+            <a:lvl7pPr marL="2971800" indent="-228600" algn="l" defTabSz="914400" rtl="0" eaLnBrk="1" latinLnBrk="1" hangingPunct="1">
+              <a:lnSpc>
+                <a:spcPct val="90000"/>
+              </a:lnSpc>
+              <a:spcBef>
+                <a:spcPts val="500"/>
+              </a:spcBef>
+              <a:buFont typeface="Arial" panose="020B0604020202020204" pitchFamily="34" charset="0"/>
+              <a:buChar char="•"/>
+              <a:defRPr sz="1800" kern="1200">
+                <a:solidFill>
+                  <a:schemeClr val="tx1"/>
+                </a:solidFill>
+                <a:latin typeface="+mn-lt"/>
+                <a:ea typeface="+mn-ea"/>
+                <a:cs typeface="+mn-cs"/>
+              </a:defRPr>
+            </a:lvl7pPr>
+            <a:lvl8pPr marL="3429000" indent="-228600" algn="l" defTabSz="914400" rtl="0" eaLnBrk="1" latinLnBrk="1" hangingPunct="1">
+              <a:lnSpc>
+                <a:spcPct val="90000"/>
+              </a:lnSpc>
+              <a:spcBef>
+                <a:spcPts val="500"/>
+              </a:spcBef>
+              <a:buFont typeface="Arial" panose="020B0604020202020204" pitchFamily="34" charset="0"/>
+              <a:buChar char="•"/>
+              <a:defRPr sz="1800" kern="1200">
+                <a:solidFill>
+                  <a:schemeClr val="tx1"/>
+                </a:solidFill>
+                <a:latin typeface="+mn-lt"/>
+                <a:ea typeface="+mn-ea"/>
+                <a:cs typeface="+mn-cs"/>
+              </a:defRPr>
+            </a:lvl8pPr>
+            <a:lvl9pPr marL="3886200" indent="-228600" algn="l" defTabSz="914400" rtl="0" eaLnBrk="1" latinLnBrk="1" hangingPunct="1">
+              <a:lnSpc>
+                <a:spcPct val="90000"/>
+              </a:lnSpc>
+              <a:spcBef>
+                <a:spcPts val="500"/>
+              </a:spcBef>
+              <a:buFont typeface="Arial" panose="020B0604020202020204" pitchFamily="34" charset="0"/>
+              <a:buChar char="•"/>
+              <a:defRPr sz="1800" kern="1200">
+                <a:solidFill>
+                  <a:schemeClr val="tx1"/>
+                </a:solidFill>
+                <a:latin typeface="+mn-lt"/>
+                <a:ea typeface="+mn-ea"/>
+                <a:cs typeface="+mn-cs"/>
+              </a:defRPr>
+            </a:lvl9pPr>
+          </a:lstStyle>
+          <a:p>
+            <a:endParaRPr lang="ko-KR" altLang="en-US" dirty="0"/>
+          </a:p>
+        </p:txBody>
+      </p:sp>
+    </p:spTree>
+    <p:extLst>
+      <p:ext uri="{BB962C8B-B14F-4D97-AF65-F5344CB8AC3E}">
+        <p14:creationId xmlns:p14="http://schemas.microsoft.com/office/powerpoint/2010/main" val="2591707438"/>
+      </p:ext>
+    </p:extLst>
+  </p:cSld>
+  <p:clrMapOvr>
+    <a:masterClrMapping/>
+  </p:clrMapOvr>
+</p:sld>
+</file>
+
+<file path=ppt/slides/slide18.xml><?xml version="1.0" encoding="utf-8"?>
+<p:sld xmlns:a="http://schemas.openxmlformats.org/drawingml/2006/main" xmlns:r="http://schemas.openxmlformats.org/officeDocument/2006/relationships" xmlns:p="http://schemas.openxmlformats.org/presentationml/2006/main">
+  <p:cSld>
+    <p:spTree>
+      <p:nvGrpSpPr>
+        <p:cNvPr id="1" name=""/>
+        <p:cNvGrpSpPr/>
+        <p:nvPr/>
+      </p:nvGrpSpPr>
+      <p:grpSpPr>
+        <a:xfrm>
+          <a:off x="0" y="0"/>
+          <a:ext cx="0" cy="0"/>
+          <a:chOff x="0" y="0"/>
+          <a:chExt cx="0" cy="0"/>
+        </a:xfrm>
+      </p:grpSpPr>
+      <p:sp>
+        <p:nvSpPr>
+          <p:cNvPr id="2" name="제목 1">
+            <a:extLst>
+              <a:ext uri="{FF2B5EF4-FFF2-40B4-BE49-F238E27FC236}">
+                <a16:creationId xmlns:a16="http://schemas.microsoft.com/office/drawing/2014/main" id="{867ABBC7-A5A2-4384-BB83-57E09CF298B4}"/>
+              </a:ext>
+            </a:extLst>
+          </p:cNvPr>
+          <p:cNvSpPr>
+            <a:spLocks noGrp="1"/>
+          </p:cNvSpPr>
+          <p:nvPr>
+            <p:ph type="title"/>
+          </p:nvPr>
+        </p:nvSpPr>
+        <p:spPr/>
+        <p:txBody>
+          <a:bodyPr/>
+          <a:lstStyle/>
+          <a:p>
+            <a:r>
+              <a:rPr lang="en-US" altLang="ko-KR" dirty="0"/>
+              <a:t>9-2) Plugin </a:t>
+            </a:r>
+            <a:r>
+              <a:rPr lang="ko-KR" altLang="en-US" dirty="0"/>
+              <a:t>종류</a:t>
+            </a:r>
+          </a:p>
+        </p:txBody>
+      </p:sp>
+      <p:sp>
+        <p:nvSpPr>
+          <p:cNvPr id="3" name="내용 개체 틀 2">
+            <a:extLst>
+              <a:ext uri="{FF2B5EF4-FFF2-40B4-BE49-F238E27FC236}">
+                <a16:creationId xmlns:a16="http://schemas.microsoft.com/office/drawing/2014/main" id="{BE86F329-B085-408A-B9F7-1B87E9253BAA}"/>
+              </a:ext>
+            </a:extLst>
+          </p:cNvPr>
+          <p:cNvSpPr>
+            <a:spLocks noGrp="1"/>
+          </p:cNvSpPr>
+          <p:nvPr>
+            <p:ph idx="1"/>
+          </p:nvPr>
+        </p:nvSpPr>
+        <p:spPr/>
+        <p:txBody>
+          <a:bodyPr/>
+          <a:lstStyle/>
+          <a:p>
+            <a:r>
+              <a:rPr lang="en-US" altLang="ko-KR" dirty="0" err="1"/>
+              <a:t>ProvidePlugins</a:t>
+            </a:r>
+            <a:endParaRPr lang="en-US" altLang="ko-KR" dirty="0"/>
+          </a:p>
+          <a:p>
+            <a:pPr lvl="1"/>
+            <a:r>
+              <a:rPr lang="ko-KR" altLang="en-US" dirty="0"/>
+              <a:t>모든 모듈에서 사용할 수 있도록 해당 모듈을 변수로 변환한다</a:t>
+            </a:r>
+            <a:r>
+              <a:rPr lang="en-US" altLang="ko-KR" dirty="0"/>
+              <a:t>.</a:t>
+            </a:r>
+          </a:p>
+          <a:p>
+            <a:pPr marL="457200" lvl="1" indent="0">
+              <a:buNone/>
+            </a:pPr>
+            <a:r>
+              <a:rPr lang="en-US" altLang="ko-KR" dirty="0"/>
+              <a:t>	new </a:t>
+            </a:r>
+            <a:r>
+              <a:rPr lang="en-US" altLang="ko-KR" dirty="0" err="1"/>
+              <a:t>webpack.ProvidePlugin</a:t>
+            </a:r>
+            <a:r>
+              <a:rPr lang="en-US" altLang="ko-KR" dirty="0"/>
+              <a:t>({</a:t>
+            </a:r>
+          </a:p>
+          <a:p>
+            <a:pPr marL="457200" lvl="1" indent="0">
+              <a:buNone/>
+            </a:pPr>
+            <a:r>
+              <a:rPr lang="en-US" altLang="ko-KR" dirty="0"/>
+              <a:t>		$: ‘</a:t>
+            </a:r>
+            <a:r>
+              <a:rPr lang="en-US" altLang="ko-KR" dirty="0" err="1"/>
+              <a:t>jquery</a:t>
+            </a:r>
+            <a:r>
+              <a:rPr lang="en-US" altLang="ko-KR" dirty="0"/>
+              <a:t>’</a:t>
+            </a:r>
+          </a:p>
+          <a:p>
+            <a:pPr marL="457200" lvl="1" indent="0">
+              <a:buNone/>
+            </a:pPr>
+            <a:r>
+              <a:rPr lang="en-US" altLang="ko-KR" dirty="0"/>
+              <a:t>	});</a:t>
+            </a:r>
+          </a:p>
+          <a:p>
+            <a:r>
+              <a:rPr lang="en-US" altLang="ko-KR" dirty="0" err="1"/>
+              <a:t>DefinePlugins</a:t>
+            </a:r>
+            <a:endParaRPr lang="en-US" altLang="ko-KR" dirty="0"/>
+          </a:p>
+          <a:p>
+            <a:pPr lvl="1"/>
+            <a:r>
+              <a:rPr lang="en-US" altLang="ko-KR" dirty="0"/>
+              <a:t>Webpack </a:t>
+            </a:r>
+            <a:r>
+              <a:rPr lang="ko-KR" altLang="en-US" dirty="0" err="1"/>
+              <a:t>번들링을</a:t>
+            </a:r>
+            <a:r>
+              <a:rPr lang="ko-KR" altLang="en-US" dirty="0"/>
+              <a:t> 시작하는 시점에 사용 가능한 상수들을 정의한다</a:t>
+            </a:r>
+            <a:r>
+              <a:rPr lang="en-US" altLang="ko-KR" dirty="0"/>
+              <a:t>.</a:t>
+            </a:r>
+          </a:p>
+          <a:p>
+            <a:pPr lvl="1"/>
+            <a:r>
+              <a:rPr lang="ko-KR" altLang="en-US" dirty="0"/>
+              <a:t>일반적으로 </a:t>
+            </a:r>
+            <a:r>
+              <a:rPr lang="ko-KR" altLang="en-US" dirty="0" err="1"/>
+              <a:t>개발계</a:t>
+            </a:r>
+            <a:r>
+              <a:rPr lang="ko-KR" altLang="en-US" dirty="0"/>
+              <a:t> </a:t>
+            </a:r>
+            <a:r>
+              <a:rPr lang="en-US" altLang="ko-KR" dirty="0"/>
+              <a:t>&amp; </a:t>
+            </a:r>
+            <a:r>
+              <a:rPr lang="ko-KR" altLang="en-US" dirty="0"/>
+              <a:t>테스트계에 따라 다른 설정을 적용할 때 유용하다</a:t>
+            </a:r>
+            <a:r>
+              <a:rPr lang="en-US" altLang="ko-KR" dirty="0"/>
+              <a:t>.</a:t>
+            </a:r>
+          </a:p>
+          <a:p>
+            <a:r>
+              <a:rPr lang="en-US" altLang="ko-KR" dirty="0" err="1"/>
+              <a:t>ManifestPlugin</a:t>
+            </a:r>
+            <a:endParaRPr lang="en-US" altLang="ko-KR" dirty="0"/>
+          </a:p>
+          <a:p>
+            <a:pPr lvl="1"/>
+            <a:r>
+              <a:rPr lang="ko-KR" altLang="en-US" dirty="0" err="1"/>
+              <a:t>번들링시</a:t>
+            </a:r>
+            <a:r>
+              <a:rPr lang="ko-KR" altLang="en-US" dirty="0"/>
+              <a:t> 생성되는 코드</a:t>
+            </a:r>
+            <a:r>
+              <a:rPr lang="en-US" altLang="ko-KR" dirty="0"/>
+              <a:t> (</a:t>
+            </a:r>
+            <a:r>
+              <a:rPr lang="ko-KR" altLang="en-US" dirty="0"/>
+              <a:t>라이브러리</a:t>
+            </a:r>
+            <a:r>
+              <a:rPr lang="en-US" altLang="ko-KR" dirty="0"/>
+              <a:t>)</a:t>
+            </a:r>
+            <a:r>
+              <a:rPr lang="ko-KR" altLang="en-US" dirty="0"/>
+              <a:t>에 대한 정보를 </a:t>
+            </a:r>
+            <a:r>
+              <a:rPr lang="en-US" altLang="ko-KR" dirty="0"/>
+              <a:t>json </a:t>
+            </a:r>
+            <a:r>
+              <a:rPr lang="ko-KR" altLang="en-US" dirty="0"/>
+              <a:t>파일로 저장하여 관리</a:t>
+            </a:r>
+            <a:endParaRPr lang="en-US" altLang="ko-KR" dirty="0"/>
+          </a:p>
+        </p:txBody>
+      </p:sp>
+    </p:spTree>
+    <p:extLst>
+      <p:ext uri="{BB962C8B-B14F-4D97-AF65-F5344CB8AC3E}">
+        <p14:creationId xmlns:p14="http://schemas.microsoft.com/office/powerpoint/2010/main" val="723558561"/>
+      </p:ext>
+    </p:extLst>
+  </p:cSld>
+  <p:clrMapOvr>
+    <a:masterClrMapping/>
+  </p:clrMapOvr>
+</p:sld>
+</file>
+
+<file path=ppt/slides/slide19.xml><?xml version="1.0" encoding="utf-8"?>
+<p:sld xmlns:a="http://schemas.openxmlformats.org/drawingml/2006/main" xmlns:r="http://schemas.openxmlformats.org/officeDocument/2006/relationships" xmlns:p="http://schemas.openxmlformats.org/presentationml/2006/main">
+  <p:cSld>
+    <p:spTree>
+      <p:nvGrpSpPr>
+        <p:cNvPr id="1" name=""/>
+        <p:cNvGrpSpPr/>
+        <p:nvPr/>
+      </p:nvGrpSpPr>
+      <p:grpSpPr>
+        <a:xfrm>
+          <a:off x="0" y="0"/>
+          <a:ext cx="0" cy="0"/>
+          <a:chOff x="0" y="0"/>
+          <a:chExt cx="0" cy="0"/>
+        </a:xfrm>
+      </p:grpSpPr>
+      <p:sp>
+        <p:nvSpPr>
+          <p:cNvPr id="2" name="제목 1">
+            <a:extLst>
+              <a:ext uri="{FF2B5EF4-FFF2-40B4-BE49-F238E27FC236}">
+                <a16:creationId xmlns:a16="http://schemas.microsoft.com/office/drawing/2014/main" id="{2D7E4892-D059-4115-9864-9D822B7D099B}"/>
+              </a:ext>
+            </a:extLst>
+          </p:cNvPr>
+          <p:cNvSpPr>
+            <a:spLocks noGrp="1"/>
+          </p:cNvSpPr>
+          <p:nvPr>
+            <p:ph type="title"/>
+          </p:nvPr>
+        </p:nvSpPr>
+        <p:spPr/>
+        <p:txBody>
+          <a:bodyPr/>
+          <a:lstStyle/>
+          <a:p>
+            <a:r>
+              <a:rPr lang="en-US" altLang="ko-KR" dirty="0"/>
+              <a:t>10-1) Webpack Resolve</a:t>
+            </a:r>
+            <a:endParaRPr lang="ko-KR" altLang="en-US" dirty="0"/>
+          </a:p>
+        </p:txBody>
+      </p:sp>
+      <p:sp>
+        <p:nvSpPr>
+          <p:cNvPr id="3" name="내용 개체 틀 2">
+            <a:extLst>
+              <a:ext uri="{FF2B5EF4-FFF2-40B4-BE49-F238E27FC236}">
+                <a16:creationId xmlns:a16="http://schemas.microsoft.com/office/drawing/2014/main" id="{03B1B040-3888-4470-A070-92BD5C8D2446}"/>
+              </a:ext>
+            </a:extLst>
+          </p:cNvPr>
+          <p:cNvSpPr>
+            <a:spLocks noGrp="1"/>
+          </p:cNvSpPr>
+          <p:nvPr>
+            <p:ph idx="1"/>
+          </p:nvPr>
+        </p:nvSpPr>
+        <p:spPr>
+          <a:xfrm>
+            <a:off x="148243" y="1047405"/>
+            <a:ext cx="11888584" cy="944357"/>
+          </a:xfrm>
+        </p:spPr>
+        <p:txBody>
+          <a:bodyPr/>
+          <a:lstStyle/>
+          <a:p>
+            <a:r>
+              <a:rPr lang="en-US" altLang="ko-KR" dirty="0"/>
+              <a:t>Webpack</a:t>
+            </a:r>
+            <a:r>
+              <a:rPr lang="ko-KR" altLang="en-US" dirty="0"/>
+              <a:t>의 모듈 </a:t>
+            </a:r>
+            <a:r>
+              <a:rPr lang="ko-KR" altLang="en-US" dirty="0" err="1"/>
+              <a:t>번들링</a:t>
+            </a:r>
+            <a:r>
+              <a:rPr lang="ko-KR" altLang="en-US" dirty="0"/>
+              <a:t> 관점에서 봤을 때</a:t>
+            </a:r>
+            <a:r>
+              <a:rPr lang="en-US" altLang="ko-KR" dirty="0"/>
+              <a:t>, </a:t>
+            </a:r>
+            <a:r>
+              <a:rPr lang="ko-KR" altLang="en-US" dirty="0" err="1"/>
+              <a:t>모듈간의</a:t>
+            </a:r>
+            <a:r>
+              <a:rPr lang="ko-KR" altLang="en-US" dirty="0"/>
+              <a:t> 의존성을 고려하여 모듈을 로딩해야 한다</a:t>
+            </a:r>
+            <a:r>
+              <a:rPr lang="en-US" altLang="ko-KR" dirty="0"/>
+              <a:t>.</a:t>
+            </a:r>
+          </a:p>
+          <a:p>
+            <a:r>
+              <a:rPr lang="ko-KR" altLang="en-US" dirty="0"/>
+              <a:t>따라서</a:t>
+            </a:r>
+            <a:r>
+              <a:rPr lang="en-US" altLang="ko-KR" dirty="0"/>
+              <a:t>, </a:t>
+            </a:r>
+            <a:r>
+              <a:rPr lang="ko-KR" altLang="en-US" dirty="0"/>
+              <a:t>모듈을 어떤 위치에서 어떻게 </a:t>
+            </a:r>
+            <a:r>
+              <a:rPr lang="ko-KR" altLang="en-US" dirty="0" err="1"/>
+              <a:t>로딩할지에</a:t>
+            </a:r>
+            <a:r>
+              <a:rPr lang="ko-KR" altLang="en-US" dirty="0"/>
+              <a:t> 관해 정의를 하는 것이 바로 </a:t>
+            </a:r>
+            <a:r>
+              <a:rPr lang="en-US" altLang="ko-KR" dirty="0"/>
+              <a:t>Module Resolution</a:t>
+            </a:r>
+          </a:p>
+        </p:txBody>
+      </p:sp>
+      <p:sp>
+        <p:nvSpPr>
+          <p:cNvPr id="4" name="내용 개체 틀 2">
+            <a:extLst>
+              <a:ext uri="{FF2B5EF4-FFF2-40B4-BE49-F238E27FC236}">
+                <a16:creationId xmlns:a16="http://schemas.microsoft.com/office/drawing/2014/main" id="{11F0FF5A-38D3-439E-8558-49FF03E90F68}"/>
+              </a:ext>
+            </a:extLst>
+          </p:cNvPr>
+          <p:cNvSpPr txBox="1">
+            <a:spLocks/>
+          </p:cNvSpPr>
+          <p:nvPr/>
+        </p:nvSpPr>
+        <p:spPr>
+          <a:xfrm>
+            <a:off x="148243" y="2157249"/>
+            <a:ext cx="11888584" cy="4564226"/>
+          </a:xfrm>
+          <a:prstGeom prst="rect">
+            <a:avLst/>
+          </a:prstGeom>
+        </p:spPr>
+        <p:txBody>
+          <a:bodyPr vert="horz" lIns="91440" tIns="45720" rIns="91440" bIns="45720" rtlCol="0">
+            <a:normAutofit/>
+          </a:bodyPr>
+          <a:lstStyle>
+            <a:lvl1pPr marL="342900" indent="-342900" algn="l" defTabSz="914400" rtl="0" eaLnBrk="1" latinLnBrk="1" hangingPunct="1">
+              <a:lnSpc>
+                <a:spcPct val="90000"/>
+              </a:lnSpc>
+              <a:spcBef>
+                <a:spcPts val="1000"/>
+              </a:spcBef>
+              <a:buFont typeface="+mj-lt"/>
+              <a:buAutoNum type="arabicPeriod"/>
+              <a:defRPr sz="1600" kern="1200">
+                <a:solidFill>
+                  <a:schemeClr val="tx1"/>
+                </a:solidFill>
+                <a:latin typeface="+mn-lt"/>
+                <a:ea typeface="+mn-ea"/>
+                <a:cs typeface="+mn-cs"/>
+              </a:defRPr>
+            </a:lvl1pPr>
+            <a:lvl2pPr marL="800100" indent="-342900" algn="l" defTabSz="914400" rtl="0" eaLnBrk="1" latinLnBrk="1" hangingPunct="1">
+              <a:lnSpc>
+                <a:spcPct val="90000"/>
+              </a:lnSpc>
+              <a:spcBef>
+                <a:spcPts val="500"/>
+              </a:spcBef>
+              <a:buFont typeface="Arial" panose="020B0604020202020204" pitchFamily="34" charset="0"/>
+              <a:buChar char="•"/>
+              <a:defRPr sz="1600" kern="1200">
+                <a:solidFill>
+                  <a:schemeClr val="tx1"/>
+                </a:solidFill>
+                <a:latin typeface="+mn-lt"/>
+                <a:ea typeface="+mn-ea"/>
+                <a:cs typeface="+mn-cs"/>
+              </a:defRPr>
+            </a:lvl2pPr>
+            <a:lvl3pPr marL="1257300" indent="-342900" algn="l" defTabSz="914400" rtl="0" eaLnBrk="1" latinLnBrk="1" hangingPunct="1">
+              <a:lnSpc>
+                <a:spcPct val="90000"/>
+              </a:lnSpc>
+              <a:spcBef>
+                <a:spcPts val="500"/>
+              </a:spcBef>
+              <a:buFont typeface="Wingdings" panose="05000000000000000000" pitchFamily="2" charset="2"/>
+              <a:buChar char="§"/>
+              <a:defRPr sz="1600" kern="1200">
+                <a:solidFill>
+                  <a:schemeClr val="tx1"/>
+                </a:solidFill>
+                <a:latin typeface="+mn-lt"/>
+                <a:ea typeface="+mn-ea"/>
+                <a:cs typeface="+mn-cs"/>
+              </a:defRPr>
+            </a:lvl3pPr>
+            <a:lvl4pPr marL="1714500" indent="-342900" algn="l" defTabSz="914400" rtl="0" eaLnBrk="1" latinLnBrk="1" hangingPunct="1">
+              <a:lnSpc>
+                <a:spcPct val="90000"/>
+              </a:lnSpc>
+              <a:spcBef>
+                <a:spcPts val="500"/>
+              </a:spcBef>
+              <a:buFont typeface="Wingdings" panose="05000000000000000000" pitchFamily="2" charset="2"/>
+              <a:buChar char="ü"/>
+              <a:defRPr sz="1600" kern="1200">
+                <a:solidFill>
+                  <a:schemeClr val="tx1"/>
+                </a:solidFill>
+                <a:latin typeface="+mn-lt"/>
+                <a:ea typeface="+mn-ea"/>
+                <a:cs typeface="+mn-cs"/>
+              </a:defRPr>
+            </a:lvl4pPr>
+            <a:lvl5pPr marL="2171700" indent="-342900" algn="l" defTabSz="914400" rtl="0" eaLnBrk="1" latinLnBrk="1" hangingPunct="1">
+              <a:lnSpc>
+                <a:spcPct val="90000"/>
+              </a:lnSpc>
+              <a:spcBef>
+                <a:spcPts val="500"/>
+              </a:spcBef>
+              <a:buFont typeface="Wingdings" panose="05000000000000000000" pitchFamily="2" charset="2"/>
+              <a:buChar char="Ø"/>
+              <a:defRPr sz="1600" kern="1200">
+                <a:solidFill>
+                  <a:schemeClr val="tx1"/>
+                </a:solidFill>
+                <a:latin typeface="+mn-lt"/>
+                <a:ea typeface="+mn-ea"/>
+                <a:cs typeface="+mn-cs"/>
+              </a:defRPr>
+            </a:lvl5pPr>
+            <a:lvl6pPr marL="2514600" indent="-228600" algn="l" defTabSz="914400" rtl="0" eaLnBrk="1" latinLnBrk="1" hangingPunct="1">
+              <a:lnSpc>
+                <a:spcPct val="90000"/>
+              </a:lnSpc>
+              <a:spcBef>
+                <a:spcPts val="500"/>
+              </a:spcBef>
+              <a:buFont typeface="Arial" panose="020B0604020202020204" pitchFamily="34" charset="0"/>
+              <a:buChar char="•"/>
+              <a:defRPr sz="1800" kern="1200">
+                <a:solidFill>
+                  <a:schemeClr val="tx1"/>
+                </a:solidFill>
+                <a:latin typeface="+mn-lt"/>
+                <a:ea typeface="+mn-ea"/>
+                <a:cs typeface="+mn-cs"/>
+              </a:defRPr>
+            </a:lvl6pPr>
+            <a:lvl7pPr marL="2971800" indent="-228600" algn="l" defTabSz="914400" rtl="0" eaLnBrk="1" latinLnBrk="1" hangingPunct="1">
+              <a:lnSpc>
+                <a:spcPct val="90000"/>
+              </a:lnSpc>
+              <a:spcBef>
+                <a:spcPts val="500"/>
+              </a:spcBef>
+              <a:buFont typeface="Arial" panose="020B0604020202020204" pitchFamily="34" charset="0"/>
+              <a:buChar char="•"/>
+              <a:defRPr sz="1800" kern="1200">
+                <a:solidFill>
+                  <a:schemeClr val="tx1"/>
+                </a:solidFill>
+                <a:latin typeface="+mn-lt"/>
+                <a:ea typeface="+mn-ea"/>
+                <a:cs typeface="+mn-cs"/>
+              </a:defRPr>
+            </a:lvl7pPr>
+            <a:lvl8pPr marL="3429000" indent="-228600" algn="l" defTabSz="914400" rtl="0" eaLnBrk="1" latinLnBrk="1" hangingPunct="1">
+              <a:lnSpc>
+                <a:spcPct val="90000"/>
+              </a:lnSpc>
+              <a:spcBef>
+                <a:spcPts val="500"/>
+              </a:spcBef>
+              <a:buFont typeface="Arial" panose="020B0604020202020204" pitchFamily="34" charset="0"/>
+              <a:buChar char="•"/>
+              <a:defRPr sz="1800" kern="1200">
+                <a:solidFill>
+                  <a:schemeClr val="tx1"/>
+                </a:solidFill>
+                <a:latin typeface="+mn-lt"/>
+                <a:ea typeface="+mn-ea"/>
+                <a:cs typeface="+mn-cs"/>
+              </a:defRPr>
+            </a:lvl8pPr>
+            <a:lvl9pPr marL="3886200" indent="-228600" algn="l" defTabSz="914400" rtl="0" eaLnBrk="1" latinLnBrk="1" hangingPunct="1">
+              <a:lnSpc>
+                <a:spcPct val="90000"/>
+              </a:lnSpc>
+              <a:spcBef>
+                <a:spcPts val="500"/>
+              </a:spcBef>
+              <a:buFont typeface="Arial" panose="020B0604020202020204" pitchFamily="34" charset="0"/>
+              <a:buChar char="•"/>
+              <a:defRPr sz="1800" kern="1200">
+                <a:solidFill>
+                  <a:schemeClr val="tx1"/>
+                </a:solidFill>
+                <a:latin typeface="+mn-lt"/>
+                <a:ea typeface="+mn-ea"/>
+                <a:cs typeface="+mn-cs"/>
+              </a:defRPr>
+            </a:lvl9pPr>
+          </a:lstStyle>
+          <a:p>
+            <a:r>
+              <a:rPr lang="en-US" altLang="ko-KR" dirty="0"/>
+              <a:t>config</a:t>
+            </a:r>
+            <a:r>
+              <a:rPr lang="ko-KR" altLang="en-US" dirty="0"/>
+              <a:t> 파일에 </a:t>
+            </a:r>
+            <a:r>
+              <a:rPr lang="en-US" altLang="ko-KR" dirty="0"/>
+              <a:t>resolve</a:t>
+            </a:r>
+            <a:r>
+              <a:rPr lang="ko-KR" altLang="en-US" dirty="0"/>
+              <a:t>를 추가하여 모듈 로딩에 관련된 옵션 사용</a:t>
+            </a:r>
+            <a:endParaRPr lang="en-US" altLang="ko-KR" dirty="0"/>
+          </a:p>
+          <a:p>
+            <a:pPr marL="0" indent="0">
+              <a:buNone/>
+            </a:pPr>
+            <a:r>
+              <a:rPr lang="en-US" altLang="ko-KR" dirty="0"/>
+              <a:t>- alias</a:t>
+            </a:r>
+          </a:p>
+          <a:p>
+            <a:pPr lvl="1"/>
+            <a:r>
+              <a:rPr lang="ko-KR" altLang="en-US" dirty="0"/>
+              <a:t>특정 모듈을 </a:t>
+            </a:r>
+            <a:r>
+              <a:rPr lang="ko-KR" altLang="en-US" dirty="0" err="1"/>
+              <a:t>로딩할</a:t>
+            </a:r>
+            <a:r>
+              <a:rPr lang="ko-KR" altLang="en-US" dirty="0"/>
+              <a:t> 때 </a:t>
+            </a:r>
+            <a:r>
+              <a:rPr lang="en-US" altLang="ko-KR" dirty="0"/>
+              <a:t>alias </a:t>
+            </a:r>
+            <a:r>
+              <a:rPr lang="ko-KR" altLang="en-US" dirty="0"/>
+              <a:t>옵션을 이용하면 별칭으로 더 쉽게 로딩이 가능하다</a:t>
+            </a:r>
+            <a:r>
+              <a:rPr lang="en-US" altLang="ko-KR" dirty="0"/>
+              <a:t>.</a:t>
+            </a:r>
+          </a:p>
+          <a:p>
+            <a:pPr marL="0" indent="0">
+              <a:buNone/>
+            </a:pPr>
+            <a:r>
+              <a:rPr lang="en-US" altLang="ko-KR" dirty="0"/>
+              <a:t>alias: {</a:t>
+            </a:r>
+          </a:p>
+          <a:p>
+            <a:pPr marL="0" indent="0">
+              <a:buNone/>
+            </a:pPr>
+            <a:r>
+              <a:rPr lang="en-US" altLang="ko-KR" dirty="0"/>
+              <a:t>    utilities : </a:t>
+            </a:r>
+            <a:r>
+              <a:rPr lang="en-US" altLang="ko-KR" dirty="0" err="1"/>
+              <a:t>path.resolve</a:t>
+            </a:r>
+            <a:r>
+              <a:rPr lang="en-US" altLang="ko-KR" dirty="0"/>
+              <a:t>(__</a:t>
+            </a:r>
+            <a:r>
+              <a:rPr lang="en-US" altLang="ko-KR" dirty="0" err="1"/>
+              <a:t>dirname</a:t>
+            </a:r>
+            <a:r>
+              <a:rPr lang="en-US" altLang="ko-KR" dirty="0"/>
+              <a:t>, ‘</a:t>
+            </a:r>
+            <a:r>
+              <a:rPr lang="en-US" altLang="ko-KR" dirty="0" err="1"/>
+              <a:t>src</a:t>
+            </a:r>
+            <a:r>
+              <a:rPr lang="en-US" altLang="ko-KR" dirty="0"/>
+              <a:t>/path/utilities/’)</a:t>
+            </a:r>
+          </a:p>
+          <a:p>
+            <a:pPr marL="0" indent="0">
+              <a:buNone/>
+            </a:pPr>
+            <a:r>
+              <a:rPr lang="en-US" altLang="ko-KR" dirty="0"/>
+              <a:t>}</a:t>
+            </a:r>
+          </a:p>
+          <a:p>
+            <a:pPr marL="0" indent="0">
+              <a:buNone/>
+            </a:pPr>
+            <a:r>
+              <a:rPr lang="en-US" altLang="ko-KR" dirty="0"/>
+              <a:t>import utility from ‘</a:t>
+            </a:r>
+            <a:r>
+              <a:rPr lang="en-US" altLang="ko-KR" dirty="0" err="1"/>
+              <a:t>src</a:t>
+            </a:r>
+            <a:r>
+              <a:rPr lang="en-US" altLang="ko-KR" dirty="0"/>
+              <a:t>/path/utilities/utility’;</a:t>
+            </a:r>
+          </a:p>
+          <a:p>
+            <a:pPr marL="0" indent="0">
+              <a:buNone/>
+            </a:pPr>
+            <a:r>
+              <a:rPr lang="en-US" altLang="ko-KR" dirty="0"/>
+              <a:t>// alias </a:t>
+            </a:r>
+            <a:r>
+              <a:rPr lang="ko-KR" altLang="en-US" dirty="0"/>
+              <a:t>사용시</a:t>
+            </a:r>
+            <a:endParaRPr lang="en-US" altLang="ko-KR" dirty="0"/>
+          </a:p>
+          <a:p>
+            <a:pPr marL="0" indent="0">
+              <a:buNone/>
+            </a:pPr>
+            <a:r>
+              <a:rPr lang="en-US" altLang="ko-KR" dirty="0"/>
+              <a:t>import utility from ‘utilities/utility’</a:t>
+            </a:r>
+          </a:p>
+          <a:p>
+            <a:pPr marL="0" indent="0">
+              <a:buNone/>
+            </a:pPr>
+            <a:endParaRPr lang="en-US" altLang="ko-KR" dirty="0"/>
+          </a:p>
+          <a:p>
+            <a:pPr marL="285750" indent="-285750">
+              <a:buFontTx/>
+              <a:buChar char="-"/>
+            </a:pPr>
+            <a:r>
+              <a:rPr lang="en-US" altLang="ko-KR" dirty="0"/>
+              <a:t>modules</a:t>
+            </a:r>
+          </a:p>
+          <a:p>
+            <a:pPr marL="742950" lvl="1" indent="-285750">
+              <a:buFontTx/>
+              <a:buChar char="-"/>
+            </a:pPr>
+            <a:r>
+              <a:rPr lang="en-US" altLang="ko-KR" dirty="0"/>
+              <a:t>require() import ‘’ </a:t>
+            </a:r>
+            <a:r>
+              <a:rPr lang="ko-KR" altLang="en-US" dirty="0"/>
+              <a:t>등의 모듈 로딩시에 어느 폴더를 </a:t>
+            </a:r>
+            <a:r>
+              <a:rPr lang="ko-KR" altLang="en-US" dirty="0" err="1"/>
+              <a:t>기준할</a:t>
+            </a:r>
+            <a:r>
+              <a:rPr lang="ko-KR" altLang="en-US" dirty="0"/>
+              <a:t> 것인지 정하는 옵션</a:t>
+            </a:r>
+            <a:endParaRPr lang="en-US" altLang="ko-KR" dirty="0"/>
+          </a:p>
+          <a:p>
+            <a:pPr marL="742950" lvl="1" indent="-285750">
+              <a:buFontTx/>
+              <a:buChar char="-"/>
+            </a:pPr>
+            <a:r>
+              <a:rPr lang="en-US" altLang="ko-KR" dirty="0"/>
+              <a:t>modules: [‘</a:t>
+            </a:r>
+            <a:r>
+              <a:rPr lang="en-US" altLang="ko-KR" dirty="0" err="1"/>
+              <a:t>node_modules</a:t>
+            </a:r>
+            <a:r>
+              <a:rPr lang="en-US" altLang="ko-KR" dirty="0"/>
+              <a:t>’] // defaults</a:t>
+            </a:r>
+          </a:p>
+          <a:p>
+            <a:pPr marL="742950" lvl="1" indent="-285750">
+              <a:buFontTx/>
+              <a:buChar char="-"/>
+            </a:pPr>
+            <a:r>
+              <a:rPr lang="en-US" altLang="ko-KR" dirty="0"/>
+              <a:t>modules: [</a:t>
+            </a:r>
+            <a:r>
+              <a:rPr lang="en-US" altLang="ko-KR" dirty="0" err="1"/>
+              <a:t>path.resolve</a:t>
+            </a:r>
+            <a:r>
+              <a:rPr lang="en-US" altLang="ko-KR" dirty="0"/>
+              <a:t>(__</a:t>
+            </a:r>
+            <a:r>
+              <a:rPr lang="en-US" altLang="ko-KR" dirty="0" err="1"/>
+              <a:t>dirname</a:t>
+            </a:r>
+            <a:r>
+              <a:rPr lang="en-US" altLang="ko-KR" dirty="0"/>
+              <a:t>, ‘</a:t>
+            </a:r>
+            <a:r>
+              <a:rPr lang="en-US" altLang="ko-KR" dirty="0" err="1"/>
+              <a:t>src</a:t>
+            </a:r>
+            <a:r>
+              <a:rPr lang="en-US" altLang="ko-KR" dirty="0"/>
+              <a:t>’), ‘</a:t>
+            </a:r>
+            <a:r>
+              <a:rPr lang="en-US" altLang="ko-KR" dirty="0" err="1"/>
+              <a:t>node_modules</a:t>
+            </a:r>
+            <a:r>
+              <a:rPr lang="en-US" altLang="ko-KR" dirty="0"/>
+              <a:t>’] // </a:t>
+            </a:r>
+            <a:r>
+              <a:rPr lang="en-US" altLang="ko-KR" dirty="0" err="1"/>
+              <a:t>src</a:t>
+            </a:r>
+            <a:r>
+              <a:rPr lang="en-US" altLang="ko-KR" dirty="0"/>
+              <a:t>/</a:t>
+            </a:r>
+            <a:r>
+              <a:rPr lang="en-US" altLang="ko-KR" dirty="0" err="1"/>
+              <a:t>node_modules</a:t>
+            </a:r>
+            <a:endParaRPr lang="en-US" altLang="ko-KR" dirty="0"/>
+          </a:p>
+        </p:txBody>
+      </p:sp>
+    </p:spTree>
+    <p:extLst>
+      <p:ext uri="{BB962C8B-B14F-4D97-AF65-F5344CB8AC3E}">
+        <p14:creationId xmlns:p14="http://schemas.microsoft.com/office/powerpoint/2010/main" val="36049233"/>
       </p:ext>
     </p:extLst>
   </p:cSld>
@@ -4923,6 +6127,86 @@
     <p:extLst>
       <p:ext uri="{BB962C8B-B14F-4D97-AF65-F5344CB8AC3E}">
         <p14:creationId xmlns:p14="http://schemas.microsoft.com/office/powerpoint/2010/main" val="1620868854"/>
+      </p:ext>
+    </p:extLst>
+  </p:cSld>
+  <p:clrMapOvr>
+    <a:masterClrMapping/>
+  </p:clrMapOvr>
+</p:sld>
+</file>
+
+<file path=ppt/slides/slide20.xml><?xml version="1.0" encoding="utf-8"?>
+<p:sld xmlns:a="http://schemas.openxmlformats.org/drawingml/2006/main" xmlns:r="http://schemas.openxmlformats.org/officeDocument/2006/relationships" xmlns:p="http://schemas.openxmlformats.org/presentationml/2006/main">
+  <p:cSld>
+    <p:spTree>
+      <p:nvGrpSpPr>
+        <p:cNvPr id="1" name=""/>
+        <p:cNvGrpSpPr/>
+        <p:nvPr/>
+      </p:nvGrpSpPr>
+      <p:grpSpPr>
+        <a:xfrm>
+          <a:off x="0" y="0"/>
+          <a:ext cx="0" cy="0"/>
+          <a:chOff x="0" y="0"/>
+          <a:chExt cx="0" cy="0"/>
+        </a:xfrm>
+      </p:grpSpPr>
+      <p:sp>
+        <p:nvSpPr>
+          <p:cNvPr id="2" name="제목 1">
+            <a:extLst>
+              <a:ext uri="{FF2B5EF4-FFF2-40B4-BE49-F238E27FC236}">
+                <a16:creationId xmlns:a16="http://schemas.microsoft.com/office/drawing/2014/main" id="{D90DBF19-1C90-4C89-B63B-83980A575EFF}"/>
+              </a:ext>
+            </a:extLst>
+          </p:cNvPr>
+          <p:cNvSpPr>
+            <a:spLocks noGrp="1"/>
+          </p:cNvSpPr>
+          <p:nvPr>
+            <p:ph type="title"/>
+          </p:nvPr>
+        </p:nvSpPr>
+        <p:spPr/>
+        <p:txBody>
+          <a:bodyPr/>
+          <a:lstStyle/>
+          <a:p>
+            <a:endParaRPr lang="ko-KR" altLang="en-US"/>
+          </a:p>
+        </p:txBody>
+      </p:sp>
+      <p:sp>
+        <p:nvSpPr>
+          <p:cNvPr id="3" name="내용 개체 틀 2">
+            <a:extLst>
+              <a:ext uri="{FF2B5EF4-FFF2-40B4-BE49-F238E27FC236}">
+                <a16:creationId xmlns:a16="http://schemas.microsoft.com/office/drawing/2014/main" id="{C226C01B-B6B0-4781-8E85-B7923288574C}"/>
+              </a:ext>
+            </a:extLst>
+          </p:cNvPr>
+          <p:cNvSpPr>
+            <a:spLocks noGrp="1"/>
+          </p:cNvSpPr>
+          <p:nvPr>
+            <p:ph idx="1"/>
+          </p:nvPr>
+        </p:nvSpPr>
+        <p:spPr/>
+        <p:txBody>
+          <a:bodyPr/>
+          <a:lstStyle/>
+          <a:p>
+            <a:endParaRPr lang="ko-KR" altLang="en-US"/>
+          </a:p>
+        </p:txBody>
+      </p:sp>
+    </p:spTree>
+    <p:extLst>
+      <p:ext uri="{BB962C8B-B14F-4D97-AF65-F5344CB8AC3E}">
+        <p14:creationId xmlns:p14="http://schemas.microsoft.com/office/powerpoint/2010/main" val="1086764026"/>
       </p:ext>
     </p:extLst>
   </p:cSld>
